--- a/Asterinas分析记录.pptx
+++ b/Asterinas分析记录.pptx
@@ -5,7 +5,7 @@
     <p:sldMasterId id="2147483648" r:id="rId1"/>
   </p:sldMasterIdLst>
   <p:notesMasterIdLst>
-    <p:notesMasterId r:id="rId26"/>
+    <p:notesMasterId r:id="rId28"/>
   </p:notesMasterIdLst>
   <p:sldIdLst>
     <p:sldId id="268" r:id="rId2"/>
@@ -18,20 +18,22 @@
     <p:sldId id="582" r:id="rId9"/>
     <p:sldId id="584" r:id="rId10"/>
     <p:sldId id="581" r:id="rId11"/>
-    <p:sldId id="585" r:id="rId12"/>
-    <p:sldId id="586" r:id="rId13"/>
-    <p:sldId id="588" r:id="rId14"/>
-    <p:sldId id="589" r:id="rId15"/>
-    <p:sldId id="590" r:id="rId16"/>
-    <p:sldId id="591" r:id="rId17"/>
-    <p:sldId id="592" r:id="rId18"/>
-    <p:sldId id="593" r:id="rId19"/>
-    <p:sldId id="594" r:id="rId20"/>
-    <p:sldId id="595" r:id="rId21"/>
-    <p:sldId id="596" r:id="rId22"/>
-    <p:sldId id="597" r:id="rId23"/>
-    <p:sldId id="598" r:id="rId24"/>
-    <p:sldId id="599" r:id="rId25"/>
+    <p:sldId id="600" r:id="rId12"/>
+    <p:sldId id="601" r:id="rId13"/>
+    <p:sldId id="585" r:id="rId14"/>
+    <p:sldId id="586" r:id="rId15"/>
+    <p:sldId id="588" r:id="rId16"/>
+    <p:sldId id="589" r:id="rId17"/>
+    <p:sldId id="590" r:id="rId18"/>
+    <p:sldId id="591" r:id="rId19"/>
+    <p:sldId id="592" r:id="rId20"/>
+    <p:sldId id="593" r:id="rId21"/>
+    <p:sldId id="594" r:id="rId22"/>
+    <p:sldId id="595" r:id="rId23"/>
+    <p:sldId id="596" r:id="rId24"/>
+    <p:sldId id="597" r:id="rId25"/>
+    <p:sldId id="598" r:id="rId26"/>
+    <p:sldId id="599" r:id="rId27"/>
   </p:sldIdLst>
   <p:sldSz cx="12192000" cy="6858000"/>
   <p:notesSz cx="6858000" cy="9144000"/>
@@ -236,7 +238,7 @@
           <a:p>
             <a:fld id="{0232C0B5-5BBF-4687-A2C4-7EEAA89D523D}" type="datetimeFigureOut">
               <a:rPr lang="zh-CN" altLang="en-US" smtClean="0"/>
-              <a:t>2024/12/26</a:t>
+              <a:t>2025/1/2</a:t>
             </a:fld>
             <a:endParaRPr lang="zh-CN" altLang="en-US"/>
           </a:p>
@@ -874,7 +876,7 @@
           <a:p>
             <a:fld id="{972ABCB6-718A-4210-8C4D-147807BDB3AB}" type="slidenum">
               <a:rPr lang="zh-CN" altLang="en-US" smtClean="0"/>
-              <a:t>18</a:t>
+              <a:t>20</a:t>
             </a:fld>
             <a:endParaRPr lang="zh-CN" altLang="en-US"/>
           </a:p>
@@ -1040,7 +1042,7 @@
           <a:p>
             <a:fld id="{34A95C42-1EB8-46E8-8CE5-2840DE4C4251}" type="datetimeFigureOut">
               <a:rPr lang="zh-CN" altLang="en-US" smtClean="0"/>
-              <a:t>2024/12/26</a:t>
+              <a:t>2025/1/2</a:t>
             </a:fld>
             <a:endParaRPr lang="zh-CN" altLang="en-US"/>
           </a:p>
@@ -1238,7 +1240,7 @@
           <a:p>
             <a:fld id="{34A95C42-1EB8-46E8-8CE5-2840DE4C4251}" type="datetimeFigureOut">
               <a:rPr lang="zh-CN" altLang="en-US" smtClean="0"/>
-              <a:t>2024/12/26</a:t>
+              <a:t>2025/1/2</a:t>
             </a:fld>
             <a:endParaRPr lang="zh-CN" altLang="en-US"/>
           </a:p>
@@ -1446,7 +1448,7 @@
           <a:p>
             <a:fld id="{34A95C42-1EB8-46E8-8CE5-2840DE4C4251}" type="datetimeFigureOut">
               <a:rPr lang="zh-CN" altLang="en-US" smtClean="0"/>
-              <a:t>2024/12/26</a:t>
+              <a:t>2025/1/2</a:t>
             </a:fld>
             <a:endParaRPr lang="zh-CN" altLang="en-US"/>
           </a:p>
@@ -1644,7 +1646,7 @@
           <a:p>
             <a:fld id="{34A95C42-1EB8-46E8-8CE5-2840DE4C4251}" type="datetimeFigureOut">
               <a:rPr lang="zh-CN" altLang="en-US" smtClean="0"/>
-              <a:t>2024/12/26</a:t>
+              <a:t>2025/1/2</a:t>
             </a:fld>
             <a:endParaRPr lang="zh-CN" altLang="en-US"/>
           </a:p>
@@ -1919,7 +1921,7 @@
           <a:p>
             <a:fld id="{34A95C42-1EB8-46E8-8CE5-2840DE4C4251}" type="datetimeFigureOut">
               <a:rPr lang="zh-CN" altLang="en-US" smtClean="0"/>
-              <a:t>2024/12/26</a:t>
+              <a:t>2025/1/2</a:t>
             </a:fld>
             <a:endParaRPr lang="zh-CN" altLang="en-US"/>
           </a:p>
@@ -2184,7 +2186,7 @@
           <a:p>
             <a:fld id="{34A95C42-1EB8-46E8-8CE5-2840DE4C4251}" type="datetimeFigureOut">
               <a:rPr lang="zh-CN" altLang="en-US" smtClean="0"/>
-              <a:t>2024/12/26</a:t>
+              <a:t>2025/1/2</a:t>
             </a:fld>
             <a:endParaRPr lang="zh-CN" altLang="en-US"/>
           </a:p>
@@ -2596,7 +2598,7 @@
           <a:p>
             <a:fld id="{34A95C42-1EB8-46E8-8CE5-2840DE4C4251}" type="datetimeFigureOut">
               <a:rPr lang="zh-CN" altLang="en-US" smtClean="0"/>
-              <a:t>2024/12/26</a:t>
+              <a:t>2025/1/2</a:t>
             </a:fld>
             <a:endParaRPr lang="zh-CN" altLang="en-US"/>
           </a:p>
@@ -2737,7 +2739,7 @@
           <a:p>
             <a:fld id="{34A95C42-1EB8-46E8-8CE5-2840DE4C4251}" type="datetimeFigureOut">
               <a:rPr lang="zh-CN" altLang="en-US" smtClean="0"/>
-              <a:t>2024/12/26</a:t>
+              <a:t>2025/1/2</a:t>
             </a:fld>
             <a:endParaRPr lang="zh-CN" altLang="en-US"/>
           </a:p>
@@ -2850,7 +2852,7 @@
           <a:p>
             <a:fld id="{34A95C42-1EB8-46E8-8CE5-2840DE4C4251}" type="datetimeFigureOut">
               <a:rPr lang="zh-CN" altLang="en-US" smtClean="0"/>
-              <a:t>2024/12/26</a:t>
+              <a:t>2025/1/2</a:t>
             </a:fld>
             <a:endParaRPr lang="zh-CN" altLang="en-US"/>
           </a:p>
@@ -3161,7 +3163,7 @@
           <a:p>
             <a:fld id="{34A95C42-1EB8-46E8-8CE5-2840DE4C4251}" type="datetimeFigureOut">
               <a:rPr lang="zh-CN" altLang="en-US" smtClean="0"/>
-              <a:t>2024/12/26</a:t>
+              <a:t>2025/1/2</a:t>
             </a:fld>
             <a:endParaRPr lang="zh-CN" altLang="en-US"/>
           </a:p>
@@ -3449,7 +3451,7 @@
           <a:p>
             <a:fld id="{34A95C42-1EB8-46E8-8CE5-2840DE4C4251}" type="datetimeFigureOut">
               <a:rPr lang="zh-CN" altLang="en-US" smtClean="0"/>
-              <a:t>2024/12/26</a:t>
+              <a:t>2025/1/2</a:t>
             </a:fld>
             <a:endParaRPr lang="zh-CN" altLang="en-US"/>
           </a:p>
@@ -3690,7 +3692,7 @@
           <a:p>
             <a:fld id="{34A95C42-1EB8-46E8-8CE5-2840DE4C4251}" type="datetimeFigureOut">
               <a:rPr lang="zh-CN" altLang="en-US" smtClean="0"/>
-              <a:t>2024/12/26</a:t>
+              <a:t>2025/1/2</a:t>
             </a:fld>
             <a:endParaRPr lang="zh-CN" altLang="en-US"/>
           </a:p>
@@ -4152,7 +4154,7 @@
             </a:r>
             <a:r>
               <a:rPr lang="en-US" altLang="zh-CN" sz="4800"/>
-              <a:t>V0.1</a:t>
+              <a:t>V0.2</a:t>
             </a:r>
             <a:endParaRPr lang="zh-CN" altLang="en-US" sz="2000" b="1"/>
           </a:p>
@@ -4193,7 +4195,7 @@
           <a:p>
             <a:r>
               <a:rPr lang="en-US" altLang="zh-CN"/>
-              <a:t>2024.12.25</a:t>
+              <a:t>2025.1.1</a:t>
             </a:r>
             <a:endParaRPr lang="zh-CN" altLang="en-US"/>
           </a:p>
@@ -4520,7 +4522,7 @@
           <p:cNvPr id="4" name="文本框 3">
             <a:extLst>
               <a:ext uri="{FF2B5EF4-FFF2-40B4-BE49-F238E27FC236}">
-                <a16:creationId xmlns:a16="http://schemas.microsoft.com/office/drawing/2014/main" id="{93C7EB2E-B440-E15E-C437-F68BE7DD8DCF}"/>
+                <a16:creationId xmlns:a16="http://schemas.microsoft.com/office/drawing/2014/main" id="{D571C268-409D-5D6A-43DA-F4AC05334B11}"/>
               </a:ext>
             </a:extLst>
           </p:cNvPr>
@@ -4545,20 +4547,17 @@
           <a:p>
             <a:r>
               <a:rPr lang="zh-CN" altLang="en-US" sz="3200"/>
-              <a:t>内存方面 </a:t>
+              <a:t>基于</a:t>
             </a:r>
             <a:r>
               <a:rPr lang="en-US" altLang="zh-CN" sz="3200"/>
-              <a:t>- untyped </a:t>
+              <a:t>TCB</a:t>
             </a:r>
             <a:r>
               <a:rPr lang="zh-CN" altLang="en-US" sz="3200"/>
-              <a:t>和 </a:t>
-            </a:r>
-            <a:r>
-              <a:rPr lang="en-US" altLang="zh-CN" sz="3200"/>
-              <a:t>typed</a:t>
-            </a:r>
+              <a:t>的设计思路</a:t>
+            </a:r>
+            <a:endParaRPr lang="en-US" altLang="zh-CN" sz="3200"/>
           </a:p>
         </p:txBody>
       </p:sp>
@@ -4567,7 +4566,7 @@
           <p:cNvPr id="5" name="文本框 4">
             <a:extLst>
               <a:ext uri="{FF2B5EF4-FFF2-40B4-BE49-F238E27FC236}">
-                <a16:creationId xmlns:a16="http://schemas.microsoft.com/office/drawing/2014/main" id="{7AE37485-F4D2-093C-D9B7-3F16A2A9E802}"/>
+                <a16:creationId xmlns:a16="http://schemas.microsoft.com/office/drawing/2014/main" id="{7B884430-7DAA-F761-A911-5A59DAD38AF3}"/>
               </a:ext>
             </a:extLst>
           </p:cNvPr>
@@ -4576,8 +4575,8 @@
         </p:nvSpPr>
         <p:spPr>
           <a:xfrm>
-            <a:off x="587388" y="1124744"/>
-            <a:ext cx="11298286" cy="2554545"/>
+            <a:off x="605390" y="1000214"/>
+            <a:ext cx="10981220" cy="707886"/>
           </a:xfrm>
           <a:prstGeom prst="rect">
             <a:avLst/>
@@ -4585,127 +4584,38 @@
           <a:noFill/>
         </p:spPr>
         <p:txBody>
-          <a:bodyPr wrap="none" rtlCol="0">
+          <a:bodyPr wrap="square" rtlCol="0">
             <a:spAutoFit/>
           </a:bodyPr>
           <a:lstStyle/>
           <a:p>
             <a:r>
               <a:rPr lang="zh-CN" altLang="en-US" sz="2000"/>
-              <a:t>所谓内存类型，是指内存帧中是否存放了系统的关键的元数据，以及交给谁来操作。</a:t>
-            </a:r>
-            <a:endParaRPr lang="en-US" altLang="zh-CN" sz="2000"/>
-          </a:p>
-          <a:p>
-            <a:endParaRPr lang="zh-CN" altLang="en-US" sz="2000"/>
-          </a:p>
-          <a:p>
-            <a:pPr marL="342900" indent="-342900">
-              <a:buFont typeface="Arial" panose="020B0604020202020204" pitchFamily="34" charset="0"/>
-              <a:buChar char="•"/>
-            </a:pPr>
-            <a:r>
-              <a:rPr lang="en-US" altLang="zh-CN" sz="2000"/>
-              <a:t>Typed</a:t>
-            </a:r>
-            <a:r>
-              <a:rPr lang="zh-CN" altLang="en-US" sz="2000"/>
-              <a:t>内存 </a:t>
-            </a:r>
-            <a:r>
-              <a:rPr lang="en-US" altLang="zh-CN" sz="2000"/>
-              <a:t>- </a:t>
-            </a:r>
-            <a:r>
-              <a:rPr lang="zh-CN" altLang="en-US" sz="2000"/>
-              <a:t>主要是内核的代码段、栈段和</a:t>
-            </a:r>
-            <a:r>
-              <a:rPr lang="en-US" altLang="zh-CN" sz="2000"/>
-              <a:t>Heap</a:t>
-            </a:r>
-            <a:r>
-              <a:rPr lang="zh-CN" altLang="en-US" sz="2000"/>
-              <a:t>段等等，这里会保存具有类型安全保证的对象。</a:t>
-            </a:r>
-            <a:endParaRPr lang="en-US" altLang="zh-CN" sz="2000"/>
-          </a:p>
-          <a:p>
-            <a:r>
-              <a:rPr lang="zh-CN" altLang="en-US" sz="2000"/>
-              <a:t>不能对</a:t>
-            </a:r>
-            <a:r>
-              <a:rPr lang="en-US" altLang="zh-CN" sz="2000"/>
-              <a:t>ostd(TCB)</a:t>
-            </a:r>
-            <a:r>
-              <a:rPr lang="zh-CN" altLang="en-US" sz="2000"/>
-              <a:t>之外暴露，更不能支持指针操作，因为那样可能破坏内核的内存安全。</a:t>
-            </a:r>
-            <a:endParaRPr lang="en-US" altLang="zh-CN" sz="2000"/>
-          </a:p>
-          <a:p>
-            <a:endParaRPr lang="zh-CN" altLang="en-US" sz="2000"/>
-          </a:p>
-          <a:p>
-            <a:pPr marL="342900" indent="-342900">
-              <a:buFont typeface="Arial" panose="020B0604020202020204" pitchFamily="34" charset="0"/>
-              <a:buChar char="•"/>
-            </a:pPr>
-            <a:r>
-              <a:rPr lang="en-US" altLang="zh-CN" sz="2000"/>
-              <a:t>Untyped</a:t>
-            </a:r>
-            <a:r>
-              <a:rPr lang="zh-CN" altLang="en-US" sz="2000"/>
-              <a:t>内存 </a:t>
-            </a:r>
-            <a:r>
-              <a:rPr lang="en-US" altLang="zh-CN" sz="2000"/>
-              <a:t>- </a:t>
-            </a:r>
-            <a:r>
-              <a:rPr lang="zh-CN" altLang="en-US" sz="2000"/>
-              <a:t>分给用户空间的和分给</a:t>
-            </a:r>
-            <a:r>
-              <a:rPr lang="en-US" altLang="zh-CN" sz="2000"/>
-              <a:t>DMA</a:t>
-            </a:r>
-            <a:r>
-              <a:rPr lang="zh-CN" altLang="en-US" sz="2000"/>
-              <a:t>的内存，</a:t>
-            </a:r>
-            <a:r>
-              <a:rPr lang="en-US" altLang="zh-CN" sz="2000"/>
-              <a:t>ostd(TCB)</a:t>
-            </a:r>
-            <a:r>
-              <a:rPr lang="zh-CN" altLang="en-US" sz="2000"/>
-              <a:t>对它们天然不信任，里面也不会</a:t>
-            </a:r>
-            <a:endParaRPr lang="en-US" altLang="zh-CN" sz="2000"/>
-          </a:p>
-          <a:p>
-            <a:r>
-              <a:rPr lang="zh-CN" altLang="en-US" sz="2000"/>
-              <a:t>存放内核安全类型的对象。直接允许在该类内存中</a:t>
-            </a:r>
-            <a:r>
-              <a:rPr lang="zh-CN" altLang="en-US" sz="2000" b="1"/>
-              <a:t>通过指针</a:t>
-            </a:r>
-            <a:r>
-              <a:rPr lang="zh-CN" altLang="en-US" sz="2000"/>
-              <a:t>随便修改，这样写坏了也不会影响内核</a:t>
-            </a:r>
-            <a:endParaRPr lang="en-US" altLang="zh-CN" sz="2000"/>
-          </a:p>
-          <a:p>
-            <a:r>
-              <a:rPr lang="zh-CN" altLang="en-US" sz="2000"/>
-              <a:t>和其它进程的安全。允许指针则提高了表达能力。</a:t>
+              <a:t>相对于一般的内核设计，</a:t>
+            </a:r>
+            <a:r>
+              <a:rPr lang="en-US" altLang="zh-CN" sz="2000"/>
+              <a:t>Asterinas</a:t>
+            </a:r>
+            <a:r>
+              <a:rPr lang="zh-CN" altLang="en-US" sz="2000"/>
+              <a:t>的思路是“栈”式层次化设计，把内核分层：</a:t>
+            </a:r>
+            <a:r>
+              <a:rPr lang="en-US" altLang="zh-CN" sz="2000"/>
+              <a:t>TCB</a:t>
+            </a:r>
+            <a:r>
+              <a:rPr lang="zh-CN" altLang="en-US" sz="2000"/>
+              <a:t>和非</a:t>
+            </a:r>
+            <a:r>
+              <a:rPr lang="en-US" altLang="zh-CN" sz="2000"/>
+              <a:t>TCB</a:t>
+            </a:r>
+            <a:r>
+              <a:rPr lang="zh-CN" altLang="en-US" sz="2000"/>
+              <a:t>两层，把对它们的开发分配给不同层面的开发者。</a:t>
             </a:r>
           </a:p>
         </p:txBody>
@@ -4715,7 +4625,7 @@
           <p:cNvPr id="7" name="图片 6">
             <a:extLst>
               <a:ext uri="{FF2B5EF4-FFF2-40B4-BE49-F238E27FC236}">
-                <a16:creationId xmlns:a16="http://schemas.microsoft.com/office/drawing/2014/main" id="{7047D7D0-428F-0684-EEAA-4DD015478475}"/>
+                <a16:creationId xmlns:a16="http://schemas.microsoft.com/office/drawing/2014/main" id="{B7A033F9-A4A1-CB69-8CDA-66EAB941878E}"/>
               </a:ext>
             </a:extLst>
           </p:cNvPr>
@@ -4732,8 +4642,8 @@
         </p:blipFill>
         <p:spPr>
           <a:xfrm>
-            <a:off x="4979876" y="4437112"/>
-            <a:ext cx="6570196" cy="1440160"/>
+            <a:off x="2783632" y="1802926"/>
+            <a:ext cx="6858000" cy="2476500"/>
           </a:xfrm>
           <a:prstGeom prst="rect">
             <a:avLst/>
@@ -4745,7 +4655,7 @@
           <p:cNvPr id="8" name="文本框 7">
             <a:extLst>
               <a:ext uri="{FF2B5EF4-FFF2-40B4-BE49-F238E27FC236}">
-                <a16:creationId xmlns:a16="http://schemas.microsoft.com/office/drawing/2014/main" id="{F06DB51D-2CFA-CB60-A5B6-0DCC958401BB}"/>
+                <a16:creationId xmlns:a16="http://schemas.microsoft.com/office/drawing/2014/main" id="{37146A53-94FA-26FF-82E6-563AB0AC00AE}"/>
               </a:ext>
             </a:extLst>
           </p:cNvPr>
@@ -4754,8 +4664,8 @@
         </p:nvSpPr>
         <p:spPr>
           <a:xfrm>
-            <a:off x="4979876" y="4067780"/>
-            <a:ext cx="3751348" cy="369332"/>
+            <a:off x="605390" y="4653136"/>
+            <a:ext cx="11251250" cy="1938992"/>
           </a:xfrm>
           <a:prstGeom prst="rect">
             <a:avLst/>
@@ -4763,212 +4673,99 @@
           <a:noFill/>
         </p:spPr>
         <p:txBody>
-          <a:bodyPr wrap="none" rtlCol="0">
+          <a:bodyPr wrap="square" rtlCol="0">
             <a:spAutoFit/>
           </a:bodyPr>
           <a:lstStyle/>
           <a:p>
             <a:r>
-              <a:rPr lang="zh-CN" altLang="en-US"/>
-              <a:t>例如：在</a:t>
-            </a:r>
-            <a:r>
-              <a:rPr lang="en-US" altLang="zh-CN"/>
-              <a:t>kernel</a:t>
-            </a:r>
-            <a:r>
-              <a:rPr lang="zh-CN" altLang="en-US"/>
-              <a:t>中实现系统调用</a:t>
-            </a:r>
-            <a:r>
-              <a:rPr lang="en-US" altLang="zh-CN"/>
-              <a:t>fstat</a:t>
-            </a:r>
-            <a:endParaRPr lang="zh-CN" altLang="en-US"/>
-          </a:p>
-        </p:txBody>
-      </p:sp>
-      <p:sp>
-        <p:nvSpPr>
-          <p:cNvPr id="9" name="文本框 8">
-            <a:extLst>
-              <a:ext uri="{FF2B5EF4-FFF2-40B4-BE49-F238E27FC236}">
-                <a16:creationId xmlns:a16="http://schemas.microsoft.com/office/drawing/2014/main" id="{0B479725-D71D-C65C-0A14-299AAC15523C}"/>
-              </a:ext>
-            </a:extLst>
-          </p:cNvPr>
-          <p:cNvSpPr txBox="1"/>
-          <p:nvPr/>
-        </p:nvSpPr>
-        <p:spPr>
-          <a:xfrm>
-            <a:off x="4984881" y="5877272"/>
-            <a:ext cx="6511719" cy="646331"/>
-          </a:xfrm>
-          <a:prstGeom prst="rect">
-            <a:avLst/>
-          </a:prstGeom>
-          <a:noFill/>
-        </p:spPr>
-        <p:txBody>
-          <a:bodyPr wrap="none" rtlCol="0">
-            <a:spAutoFit/>
-          </a:bodyPr>
-          <a:lstStyle/>
-          <a:p>
-            <a:r>
-              <a:rPr lang="zh-CN" altLang="en-US"/>
-              <a:t>第</a:t>
-            </a:r>
-            <a:r>
-              <a:rPr lang="en-US" altLang="zh-CN"/>
-              <a:t>3</a:t>
-            </a:r>
-            <a:r>
-              <a:rPr lang="zh-CN" altLang="en-US"/>
-              <a:t>行中的操作是</a:t>
-            </a:r>
-            <a:r>
-              <a:rPr lang="en-US" altLang="zh-CN"/>
-              <a:t>ostd</a:t>
-            </a:r>
-            <a:r>
-              <a:rPr lang="zh-CN" altLang="en-US"/>
-              <a:t>提供的，直接允许对来自用户应用的内存</a:t>
-            </a:r>
-            <a:endParaRPr lang="en-US" altLang="zh-CN"/>
-          </a:p>
-          <a:p>
-            <a:r>
-              <a:rPr lang="zh-CN" altLang="en-US"/>
-              <a:t>施行指针操作，因为这类内存是</a:t>
-            </a:r>
-            <a:r>
-              <a:rPr lang="en-US" altLang="zh-CN"/>
-              <a:t>untyped</a:t>
-            </a:r>
-            <a:r>
-              <a:rPr lang="zh-CN" altLang="en-US"/>
-              <a:t>类型。</a:t>
-            </a:r>
-          </a:p>
-        </p:txBody>
-      </p:sp>
-      <p:pic>
-        <p:nvPicPr>
-          <p:cNvPr id="11" name="图片 10">
-            <a:extLst>
-              <a:ext uri="{FF2B5EF4-FFF2-40B4-BE49-F238E27FC236}">
-                <a16:creationId xmlns:a16="http://schemas.microsoft.com/office/drawing/2014/main" id="{E5DD1AF0-7005-FA8C-2657-687F29714344}"/>
-              </a:ext>
-            </a:extLst>
-          </p:cNvPr>
-          <p:cNvPicPr>
-            <a:picLocks noChangeAspect="1"/>
-          </p:cNvPicPr>
-          <p:nvPr/>
-        </p:nvPicPr>
-        <p:blipFill>
-          <a:blip r:embed="rId3"/>
-          <a:stretch>
-            <a:fillRect/>
-          </a:stretch>
-        </p:blipFill>
-        <p:spPr>
-          <a:xfrm>
-            <a:off x="827528" y="4043728"/>
-            <a:ext cx="2667000" cy="2667000"/>
-          </a:xfrm>
-          <a:prstGeom prst="rect">
-            <a:avLst/>
-          </a:prstGeom>
-        </p:spPr>
-      </p:pic>
-      <p:sp>
-        <p:nvSpPr>
-          <p:cNvPr id="12" name="文本框 11">
-            <a:extLst>
-              <a:ext uri="{FF2B5EF4-FFF2-40B4-BE49-F238E27FC236}">
-                <a16:creationId xmlns:a16="http://schemas.microsoft.com/office/drawing/2014/main" id="{085518F9-600B-EFD7-62F3-BA53E089CECE}"/>
-              </a:ext>
-            </a:extLst>
-          </p:cNvPr>
-          <p:cNvSpPr txBox="1"/>
-          <p:nvPr/>
-        </p:nvSpPr>
-        <p:spPr>
-          <a:xfrm>
-            <a:off x="2891644" y="5877272"/>
-            <a:ext cx="1595309" cy="584775"/>
-          </a:xfrm>
-          <a:prstGeom prst="rect">
-            <a:avLst/>
-          </a:prstGeom>
-          <a:noFill/>
-        </p:spPr>
-        <p:txBody>
-          <a:bodyPr wrap="none" rtlCol="0">
-            <a:spAutoFit/>
-          </a:bodyPr>
-          <a:lstStyle/>
-          <a:p>
-            <a:r>
-              <a:rPr lang="zh-CN" altLang="en-US" sz="1600"/>
-              <a:t>保护在</a:t>
-            </a:r>
-            <a:r>
-              <a:rPr lang="en-US" altLang="zh-CN" sz="1600"/>
-              <a:t>ostd</a:t>
-            </a:r>
-            <a:r>
-              <a:rPr lang="zh-CN" altLang="en-US" sz="1600"/>
-              <a:t>内部</a:t>
-            </a:r>
-            <a:endParaRPr lang="en-US" altLang="zh-CN" sz="1600"/>
-          </a:p>
-          <a:p>
-            <a:r>
-              <a:rPr lang="zh-CN" altLang="en-US" sz="1600"/>
-              <a:t>不对外暴露</a:t>
-            </a:r>
-          </a:p>
-        </p:txBody>
-      </p:sp>
-      <p:sp>
-        <p:nvSpPr>
-          <p:cNvPr id="13" name="文本框 12">
-            <a:extLst>
-              <a:ext uri="{FF2B5EF4-FFF2-40B4-BE49-F238E27FC236}">
-                <a16:creationId xmlns:a16="http://schemas.microsoft.com/office/drawing/2014/main" id="{2DC1AB34-3099-EBB0-39A8-984838E49B5B}"/>
-              </a:ext>
-            </a:extLst>
-          </p:cNvPr>
-          <p:cNvSpPr txBox="1"/>
-          <p:nvPr/>
-        </p:nvSpPr>
-        <p:spPr>
-          <a:xfrm>
-            <a:off x="989072" y="3729226"/>
-            <a:ext cx="2343911" cy="338554"/>
-          </a:xfrm>
-          <a:prstGeom prst="rect">
-            <a:avLst/>
-          </a:prstGeom>
-          <a:noFill/>
-        </p:spPr>
-        <p:txBody>
-          <a:bodyPr wrap="none" rtlCol="0">
-            <a:spAutoFit/>
-          </a:bodyPr>
-          <a:lstStyle/>
-          <a:p>
-            <a:r>
-              <a:rPr lang="en-US" altLang="zh-CN" sz="1600"/>
-              <a:t>kernel</a:t>
-            </a:r>
-            <a:r>
-              <a:rPr lang="zh-CN" altLang="en-US" sz="1600"/>
-              <a:t>可操作且支持指针</a:t>
+              <a:rPr lang="en-US" altLang="zh-CN" sz="2000"/>
+              <a:t>1. </a:t>
+            </a:r>
+            <a:r>
+              <a:rPr lang="zh-CN" altLang="en-US" sz="2000"/>
+              <a:t>内核不是单一层次，而是两个相对独立和相互隔离的层次，开发、维护、打包都是两个部分。</a:t>
+            </a:r>
+            <a:endParaRPr lang="en-US" altLang="zh-CN" sz="2000"/>
+          </a:p>
+          <a:p>
+            <a:r>
+              <a:rPr lang="en-US" altLang="zh-CN" sz="2000"/>
+              <a:t>2. </a:t>
+            </a:r>
+            <a:r>
+              <a:rPr lang="zh-CN" altLang="en-US" sz="2000"/>
+              <a:t>所有的资源都是由</a:t>
+            </a:r>
+            <a:r>
+              <a:rPr lang="en-US" altLang="zh-CN" sz="2000"/>
+              <a:t>TCB</a:t>
+            </a:r>
+            <a:r>
+              <a:rPr lang="zh-CN" altLang="en-US" sz="2000"/>
+              <a:t>控制的，但是对不同资源采取了不同的策略，核心资源是完全封闭在</a:t>
+            </a:r>
+            <a:r>
+              <a:rPr lang="en-US" altLang="zh-CN" sz="2000"/>
+              <a:t>TCB</a:t>
+            </a:r>
+            <a:r>
+              <a:rPr lang="zh-CN" altLang="en-US" sz="2000"/>
+              <a:t>的内部处理的，外部无法接触到；非核心资源也是</a:t>
+            </a:r>
+            <a:r>
+              <a:rPr lang="en-US" altLang="zh-CN" sz="2000"/>
+              <a:t>TCB</a:t>
+            </a:r>
+            <a:r>
+              <a:rPr lang="zh-CN" altLang="en-US" sz="2000"/>
+              <a:t>控制的，但是以受控的方式对上层服务暴露了接口。</a:t>
+            </a:r>
+            <a:endParaRPr lang="en-US" altLang="zh-CN" sz="2000"/>
+          </a:p>
+          <a:p>
+            <a:r>
+              <a:rPr lang="en-US" altLang="zh-CN" sz="2000"/>
+              <a:t>3. </a:t>
+            </a:r>
+            <a:r>
+              <a:rPr lang="zh-CN" altLang="en-US" sz="2000"/>
+              <a:t>上层服务无法绕过</a:t>
+            </a:r>
+            <a:r>
+              <a:rPr lang="en-US" altLang="zh-CN" sz="2000"/>
+              <a:t>TCB</a:t>
+            </a:r>
+            <a:r>
+              <a:rPr lang="zh-CN" altLang="en-US" sz="2000"/>
+              <a:t>去访问系统的资源，只能通过</a:t>
+            </a:r>
+            <a:r>
+              <a:rPr lang="en-US" altLang="zh-CN" sz="2000"/>
+              <a:t>TCB</a:t>
+            </a:r>
+            <a:r>
+              <a:rPr lang="zh-CN" altLang="en-US" sz="2000"/>
+              <a:t>暴露的接口，在受控方式下操作部分资源。</a:t>
+            </a:r>
+            <a:endParaRPr lang="en-US" altLang="zh-CN" sz="2000"/>
+          </a:p>
+          <a:p>
+            <a:r>
+              <a:rPr lang="en-US" altLang="zh-CN" sz="2000"/>
+              <a:t>4. TCB</a:t>
+            </a:r>
+            <a:r>
+              <a:rPr lang="zh-CN" altLang="en-US" sz="2000"/>
+              <a:t>和上层服务是两类开发者。</a:t>
+            </a:r>
+            <a:r>
+              <a:rPr lang="en-US" altLang="zh-CN" sz="2000"/>
+              <a:t>TCB</a:t>
+            </a:r>
+            <a:r>
+              <a:rPr lang="zh-CN" altLang="en-US" sz="2000"/>
+              <a:t>开发者承担了主要的安全职责，减轻了上层服务开发者负担。</a:t>
             </a:r>
           </a:p>
         </p:txBody>
@@ -4976,7 +4773,7 @@
     </p:spTree>
     <p:extLst>
       <p:ext uri="{BB962C8B-B14F-4D97-AF65-F5344CB8AC3E}">
-        <p14:creationId xmlns:p14="http://schemas.microsoft.com/office/powerpoint/2010/main" val="434723879"/>
+        <p14:creationId xmlns:p14="http://schemas.microsoft.com/office/powerpoint/2010/main" val="491851237"/>
       </p:ext>
     </p:extLst>
   </p:cSld>
@@ -4994,7 +4791,7 @@
         <p:cNvPr id="1" name="">
           <a:extLst>
             <a:ext uri="{FF2B5EF4-FFF2-40B4-BE49-F238E27FC236}">
-              <a16:creationId xmlns:a16="http://schemas.microsoft.com/office/drawing/2014/main" id="{759E19ED-049D-9461-F55E-4D8565681547}"/>
+              <a16:creationId xmlns:a16="http://schemas.microsoft.com/office/drawing/2014/main" id="{BE7F3D7B-8701-3C26-7A8C-A11FA27209D7}"/>
             </a:ext>
           </a:extLst>
         </p:cNvPr>
@@ -5014,7 +4811,7 @@
           <p:cNvPr id="4" name="文本框 3">
             <a:extLst>
               <a:ext uri="{FF2B5EF4-FFF2-40B4-BE49-F238E27FC236}">
-                <a16:creationId xmlns:a16="http://schemas.microsoft.com/office/drawing/2014/main" id="{86C31D85-FB23-5AA5-45C3-0170A0C423F9}"/>
+                <a16:creationId xmlns:a16="http://schemas.microsoft.com/office/drawing/2014/main" id="{58049A5D-D407-1F1C-721A-91F585981B43}"/>
               </a:ext>
             </a:extLst>
           </p:cNvPr>
@@ -5024,7 +4821,7 @@
         <p:spPr>
           <a:xfrm>
             <a:off x="515380" y="327273"/>
-            <a:ext cx="10009112" cy="584775"/>
+            <a:ext cx="7056784" cy="584775"/>
           </a:xfrm>
           <a:prstGeom prst="rect">
             <a:avLst/>
@@ -5038,42 +4835,30 @@
           <a:lstStyle/>
           <a:p>
             <a:r>
+              <a:rPr lang="zh-CN" altLang="en-US" sz="3200"/>
+              <a:t>内存方面 </a:t>
+            </a:r>
+            <a:r>
               <a:rPr lang="en-US" altLang="zh-CN" sz="3200"/>
-              <a:t>CPU</a:t>
+              <a:t>- untyped </a:t>
             </a:r>
             <a:r>
               <a:rPr lang="zh-CN" altLang="en-US" sz="3200"/>
-              <a:t>状态方面</a:t>
+              <a:t>和 </a:t>
             </a:r>
             <a:r>
               <a:rPr lang="en-US" altLang="zh-CN" sz="3200"/>
-              <a:t>-</a:t>
-            </a:r>
-            <a:r>
-              <a:rPr lang="zh-CN" altLang="en-US" sz="3200"/>
-              <a:t>用户态</a:t>
-            </a:r>
-            <a:r>
-              <a:rPr lang="en-US" altLang="zh-CN" sz="3200"/>
-              <a:t>cpu-state</a:t>
-            </a:r>
-            <a:r>
-              <a:rPr lang="zh-CN" altLang="en-US" sz="3200"/>
-              <a:t>和内核态</a:t>
-            </a:r>
-            <a:r>
-              <a:rPr lang="en-US" altLang="zh-CN" sz="3200"/>
-              <a:t>cpu-state</a:t>
-            </a:r>
-          </a:p>
-        </p:txBody>
-      </p:sp>
-      <p:sp>
-        <p:nvSpPr>
-          <p:cNvPr id="6" name="文本框 5">
-            <a:extLst>
-              <a:ext uri="{FF2B5EF4-FFF2-40B4-BE49-F238E27FC236}">
-                <a16:creationId xmlns:a16="http://schemas.microsoft.com/office/drawing/2014/main" id="{75202A6C-425D-3A14-8C79-EF2422A784CD}"/>
+              <a:t>typed</a:t>
+            </a:r>
+          </a:p>
+        </p:txBody>
+      </p:sp>
+      <p:sp>
+        <p:nvSpPr>
+          <p:cNvPr id="5" name="文本框 4">
+            <a:extLst>
+              <a:ext uri="{FF2B5EF4-FFF2-40B4-BE49-F238E27FC236}">
+                <a16:creationId xmlns:a16="http://schemas.microsoft.com/office/drawing/2014/main" id="{CE506861-AD58-AD3E-268B-EBFF0CC84956}"/>
               </a:ext>
             </a:extLst>
           </p:cNvPr>
@@ -5082,8 +4867,8 @@
         </p:nvSpPr>
         <p:spPr>
           <a:xfrm>
-            <a:off x="551384" y="1016732"/>
-            <a:ext cx="10981220" cy="707886"/>
+            <a:off x="587388" y="1124744"/>
+            <a:ext cx="11517897" cy="2862322"/>
           </a:xfrm>
           <a:prstGeom prst="rect">
             <a:avLst/>
@@ -5091,180 +4876,142 @@
           <a:noFill/>
         </p:spPr>
         <p:txBody>
-          <a:bodyPr wrap="square" rtlCol="0">
-            <a:spAutoFit/>
-          </a:bodyPr>
-          <a:lstStyle/>
-          <a:p>
-            <a:r>
-              <a:rPr lang="zh-CN" altLang="en-US" sz="2000"/>
-              <a:t>用户态的部分</a:t>
-            </a:r>
-            <a:r>
-              <a:rPr lang="en-US" altLang="zh-CN" sz="2000"/>
-              <a:t>CPU</a:t>
-            </a:r>
-            <a:r>
-              <a:rPr lang="zh-CN" altLang="en-US" sz="2000"/>
-              <a:t>寄存器状态是允许被查看和修改的，不影响系统安全，却可以提升开发便利。</a:t>
-            </a:r>
-          </a:p>
-          <a:p>
-            <a:r>
-              <a:rPr lang="zh-CN" altLang="en-US" sz="2000"/>
-              <a:t>需要完全保护在</a:t>
-            </a:r>
-            <a:r>
-              <a:rPr lang="en-US" altLang="zh-CN" sz="2000"/>
-              <a:t>TCB</a:t>
-            </a:r>
-            <a:r>
-              <a:rPr lang="zh-CN" altLang="en-US" sz="2000"/>
-              <a:t>内部的只是内核态</a:t>
-            </a:r>
-            <a:r>
-              <a:rPr lang="en-US" altLang="zh-CN" sz="2000"/>
-              <a:t>CPU state</a:t>
-            </a:r>
-            <a:r>
-              <a:rPr lang="zh-CN" altLang="en-US" sz="2000"/>
-              <a:t>，那些必须严格保护在</a:t>
-            </a:r>
-            <a:r>
-              <a:rPr lang="en-US" altLang="zh-CN" sz="2000"/>
-              <a:t>ostd</a:t>
-            </a:r>
-            <a:r>
-              <a:rPr lang="zh-CN" altLang="en-US" sz="2000"/>
-              <a:t>内部。</a:t>
-            </a:r>
-          </a:p>
-        </p:txBody>
-      </p:sp>
-      <p:pic>
-        <p:nvPicPr>
-          <p:cNvPr id="7" name="图片 6">
-            <a:extLst>
-              <a:ext uri="{FF2B5EF4-FFF2-40B4-BE49-F238E27FC236}">
-                <a16:creationId xmlns:a16="http://schemas.microsoft.com/office/drawing/2014/main" id="{FCCE2F0F-6639-B8E5-4027-9659757B9700}"/>
-              </a:ext>
-            </a:extLst>
-          </p:cNvPr>
-          <p:cNvPicPr>
-            <a:picLocks noChangeAspect="1"/>
-          </p:cNvPicPr>
-          <p:nvPr/>
-        </p:nvPicPr>
-        <p:blipFill>
-          <a:blip r:embed="rId2"/>
-          <a:stretch>
-            <a:fillRect/>
-          </a:stretch>
-        </p:blipFill>
-        <p:spPr>
-          <a:xfrm>
-            <a:off x="519197" y="1821700"/>
-            <a:ext cx="6728932" cy="4983254"/>
-          </a:xfrm>
-          <a:prstGeom prst="rect">
-            <a:avLst/>
-          </a:prstGeom>
-        </p:spPr>
-      </p:pic>
-      <p:sp>
-        <p:nvSpPr>
-          <p:cNvPr id="8" name="文本框 7">
-            <a:extLst>
-              <a:ext uri="{FF2B5EF4-FFF2-40B4-BE49-F238E27FC236}">
-                <a16:creationId xmlns:a16="http://schemas.microsoft.com/office/drawing/2014/main" id="{5B28CFB4-4CE9-C3B7-635E-B90B71CDBBCB}"/>
-              </a:ext>
-            </a:extLst>
-          </p:cNvPr>
-          <p:cNvSpPr txBox="1"/>
-          <p:nvPr/>
-        </p:nvSpPr>
-        <p:spPr>
-          <a:xfrm>
-            <a:off x="7356140" y="3790781"/>
-            <a:ext cx="4019049" cy="1477328"/>
-          </a:xfrm>
-          <a:prstGeom prst="rect">
-            <a:avLst/>
-          </a:prstGeom>
-          <a:noFill/>
-        </p:spPr>
-        <p:txBody>
           <a:bodyPr wrap="none" rtlCol="0">
             <a:spAutoFit/>
           </a:bodyPr>
           <a:lstStyle/>
           <a:p>
             <a:r>
-              <a:rPr lang="zh-CN" altLang="en-US"/>
-              <a:t>示例：</a:t>
-            </a:r>
-            <a:r>
-              <a:rPr lang="en-US" altLang="zh-CN"/>
-              <a:t>kernel</a:t>
-            </a:r>
-            <a:r>
-              <a:rPr lang="zh-CN" altLang="en-US"/>
-              <a:t>实现</a:t>
-            </a:r>
-            <a:r>
-              <a:rPr lang="en-US" altLang="zh-CN"/>
-              <a:t>execve</a:t>
-            </a:r>
-            <a:r>
-              <a:rPr lang="zh-CN" altLang="en-US"/>
-              <a:t>系统调用。</a:t>
-            </a:r>
-            <a:endParaRPr lang="en-US" altLang="zh-CN"/>
-          </a:p>
-          <a:p>
-            <a:r>
-              <a:rPr lang="zh-CN" altLang="en-US"/>
-              <a:t>第</a:t>
-            </a:r>
-            <a:r>
-              <a:rPr lang="en-US" altLang="zh-CN"/>
-              <a:t>10~22</a:t>
-            </a:r>
-            <a:r>
-              <a:rPr lang="zh-CN" altLang="en-US"/>
-              <a:t>行，可以直接对用户态的</a:t>
-            </a:r>
-            <a:r>
-              <a:rPr lang="en-US" altLang="zh-CN"/>
-              <a:t>CPU</a:t>
-            </a:r>
-          </a:p>
-          <a:p>
-            <a:r>
-              <a:rPr lang="zh-CN" altLang="en-US"/>
-              <a:t>各个状态寄存器进行访问甚至修改。</a:t>
-            </a:r>
-            <a:endParaRPr lang="en-US" altLang="zh-CN"/>
-          </a:p>
-          <a:p>
-            <a:endParaRPr lang="en-US" altLang="zh-CN"/>
-          </a:p>
-          <a:p>
-            <a:r>
-              <a:rPr lang="en-US" altLang="zh-CN"/>
-              <a:t>UserContext</a:t>
-            </a:r>
-            <a:r>
-              <a:rPr lang="zh-CN" altLang="en-US"/>
-              <a:t>是由</a:t>
-            </a:r>
-            <a:r>
-              <a:rPr lang="en-US" altLang="zh-CN"/>
-              <a:t>ostd</a:t>
-            </a:r>
-            <a:r>
-              <a:rPr lang="zh-CN" altLang="en-US"/>
-              <a:t>提供的接口。</a:t>
+              <a:rPr lang="zh-CN" altLang="en-US" sz="2000"/>
+              <a:t>所谓内存类型，是指内存帧中是否存放了系统的关键的元数据，以及交给谁来操作。</a:t>
+            </a:r>
+            <a:endParaRPr lang="en-US" altLang="zh-CN" sz="2000"/>
+          </a:p>
+          <a:p>
+            <a:endParaRPr lang="zh-CN" altLang="en-US" sz="2000"/>
+          </a:p>
+          <a:p>
+            <a:pPr marL="342900" indent="-342900">
+              <a:buFont typeface="Arial" panose="020B0604020202020204" pitchFamily="34" charset="0"/>
+              <a:buChar char="•"/>
+            </a:pPr>
+            <a:r>
+              <a:rPr lang="en-US" altLang="zh-CN" sz="2000"/>
+              <a:t>Typed</a:t>
+            </a:r>
+            <a:r>
+              <a:rPr lang="zh-CN" altLang="en-US" sz="2000"/>
+              <a:t>内存 </a:t>
+            </a:r>
+            <a:r>
+              <a:rPr lang="en-US" altLang="zh-CN" sz="2000"/>
+              <a:t>- </a:t>
+            </a:r>
+            <a:r>
+              <a:rPr lang="zh-CN" altLang="en-US" sz="2000"/>
+              <a:t>主要是内核的代码段、栈段和</a:t>
+            </a:r>
+            <a:r>
+              <a:rPr lang="en-US" altLang="zh-CN" sz="2000"/>
+              <a:t>Heap</a:t>
+            </a:r>
+            <a:r>
+              <a:rPr lang="zh-CN" altLang="en-US" sz="2000"/>
+              <a:t>段等等，这里会保存具有类型安全保证的对象。</a:t>
+            </a:r>
+            <a:endParaRPr lang="en-US" altLang="zh-CN" sz="2000"/>
+          </a:p>
+          <a:p>
+            <a:r>
+              <a:rPr lang="zh-CN" altLang="en-US" sz="2000"/>
+              <a:t>不能对</a:t>
+            </a:r>
+            <a:r>
+              <a:rPr lang="en-US" altLang="zh-CN" sz="2000"/>
+              <a:t>ostd(TCB)</a:t>
+            </a:r>
+            <a:r>
+              <a:rPr lang="zh-CN" altLang="en-US" sz="2000"/>
+              <a:t>之外暴露，更不能支持指针操作，因为那样可能破坏内核的内存安全。</a:t>
+            </a:r>
+            <a:endParaRPr lang="en-US" altLang="zh-CN" sz="2000"/>
+          </a:p>
+          <a:p>
+            <a:endParaRPr lang="zh-CN" altLang="en-US" sz="2000"/>
+          </a:p>
+          <a:p>
+            <a:pPr marL="342900" indent="-342900">
+              <a:buFont typeface="Arial" panose="020B0604020202020204" pitchFamily="34" charset="0"/>
+              <a:buChar char="•"/>
+            </a:pPr>
+            <a:r>
+              <a:rPr lang="en-US" altLang="zh-CN" sz="2000"/>
+              <a:t>Untyped</a:t>
+            </a:r>
+            <a:r>
+              <a:rPr lang="zh-CN" altLang="en-US" sz="2000"/>
+              <a:t>内存 </a:t>
+            </a:r>
+            <a:r>
+              <a:rPr lang="en-US" altLang="zh-CN" sz="2000"/>
+              <a:t>- </a:t>
+            </a:r>
+            <a:r>
+              <a:rPr lang="zh-CN" altLang="en-US" sz="2000"/>
+              <a:t>分给用户空间的和分给</a:t>
+            </a:r>
+            <a:r>
+              <a:rPr lang="en-US" altLang="zh-CN" sz="2000"/>
+              <a:t>DMA</a:t>
+            </a:r>
+            <a:r>
+              <a:rPr lang="zh-CN" altLang="en-US" sz="2000"/>
+              <a:t>的内存，</a:t>
+            </a:r>
+            <a:r>
+              <a:rPr lang="en-US" altLang="zh-CN" sz="2000"/>
+              <a:t>ostd(TCB)</a:t>
+            </a:r>
+            <a:r>
+              <a:rPr lang="zh-CN" altLang="en-US" sz="2000"/>
+              <a:t>对它们天然不信任，里面也不会</a:t>
+            </a:r>
+            <a:endParaRPr lang="en-US" altLang="zh-CN" sz="2000"/>
+          </a:p>
+          <a:p>
+            <a:r>
+              <a:rPr lang="zh-CN" altLang="en-US" sz="2000"/>
+              <a:t>存放内核安全类型的对象。允许在该类内存中</a:t>
+            </a:r>
+            <a:r>
+              <a:rPr lang="zh-CN" altLang="en-US" sz="2000" b="1"/>
+              <a:t>通过受控方式基于指针操作。</a:t>
+            </a:r>
+            <a:r>
+              <a:rPr lang="zh-CN" altLang="en-US" sz="2000"/>
+              <a:t>通过受控接口，只能操作</a:t>
+            </a:r>
+            <a:endParaRPr lang="en-US" altLang="zh-CN" sz="2000"/>
+          </a:p>
+          <a:p>
+            <a:r>
+              <a:rPr lang="zh-CN" altLang="en-US" sz="2000"/>
+              <a:t>这些分配给用户空间和</a:t>
+            </a:r>
+            <a:r>
+              <a:rPr lang="en-US" altLang="zh-CN" sz="2000"/>
+              <a:t>DMA</a:t>
+            </a:r>
+            <a:r>
+              <a:rPr lang="zh-CN" altLang="en-US" sz="2000"/>
+              <a:t>的页面，无法访问到内核页面，这样写坏了也不会影响内核和其它进程的</a:t>
+            </a:r>
+            <a:endParaRPr lang="en-US" altLang="zh-CN" sz="2000"/>
+          </a:p>
+          <a:p>
+            <a:r>
+              <a:rPr lang="zh-CN" altLang="en-US" sz="2000"/>
+              <a:t>安全。允许指针则提高了表达能力。</a:t>
             </a:r>
           </a:p>
         </p:txBody>
@@ -5272,7 +5019,7 @@
     </p:spTree>
     <p:extLst>
       <p:ext uri="{BB962C8B-B14F-4D97-AF65-F5344CB8AC3E}">
-        <p14:creationId xmlns:p14="http://schemas.microsoft.com/office/powerpoint/2010/main" val="4022497681"/>
+        <p14:creationId xmlns:p14="http://schemas.microsoft.com/office/powerpoint/2010/main" val="2237194467"/>
       </p:ext>
     </p:extLst>
   </p:cSld>
@@ -5299,122 +5046,12 @@
           <a:chExt cx="0" cy="0"/>
         </a:xfrm>
       </p:grpSpPr>
-      <p:sp>
-        <p:nvSpPr>
-          <p:cNvPr id="4" name="文本框 3">
-            <a:extLst>
-              <a:ext uri="{FF2B5EF4-FFF2-40B4-BE49-F238E27FC236}">
-                <a16:creationId xmlns:a16="http://schemas.microsoft.com/office/drawing/2014/main" id="{99716001-F574-907C-A5C8-9BA62085A2D3}"/>
-              </a:ext>
-            </a:extLst>
-          </p:cNvPr>
-          <p:cNvSpPr txBox="1"/>
-          <p:nvPr/>
-        </p:nvSpPr>
-        <p:spPr>
-          <a:xfrm>
-            <a:off x="515380" y="327273"/>
-            <a:ext cx="10009112" cy="584775"/>
-          </a:xfrm>
-          <a:prstGeom prst="rect">
-            <a:avLst/>
-          </a:prstGeom>
-          <a:noFill/>
-        </p:spPr>
-        <p:txBody>
-          <a:bodyPr wrap="square">
-            <a:spAutoFit/>
-          </a:bodyPr>
-          <a:lstStyle/>
-          <a:p>
-            <a:r>
-              <a:rPr lang="zh-CN" altLang="en-US" sz="3200"/>
-              <a:t>调度方面</a:t>
-            </a:r>
-            <a:r>
-              <a:rPr lang="en-US" altLang="zh-CN" sz="3200"/>
-              <a:t>-</a:t>
-            </a:r>
-            <a:r>
-              <a:rPr lang="zh-CN" altLang="en-US" sz="3200"/>
-              <a:t>上下文切换和调度策略</a:t>
-            </a:r>
-            <a:endParaRPr lang="en-US" altLang="zh-CN" sz="3200"/>
-          </a:p>
-        </p:txBody>
-      </p:sp>
-      <p:sp>
-        <p:nvSpPr>
-          <p:cNvPr id="6" name="文本框 5">
-            <a:extLst>
-              <a:ext uri="{FF2B5EF4-FFF2-40B4-BE49-F238E27FC236}">
-                <a16:creationId xmlns:a16="http://schemas.microsoft.com/office/drawing/2014/main" id="{B0ECB53F-DA8B-DBB1-53CE-F0CB53FD29CD}"/>
-              </a:ext>
-            </a:extLst>
-          </p:cNvPr>
-          <p:cNvSpPr txBox="1"/>
-          <p:nvPr/>
-        </p:nvSpPr>
-        <p:spPr>
-          <a:xfrm>
-            <a:off x="587389" y="1160748"/>
-            <a:ext cx="11305256" cy="707886"/>
-          </a:xfrm>
-          <a:prstGeom prst="rect">
-            <a:avLst/>
-          </a:prstGeom>
-          <a:noFill/>
-        </p:spPr>
-        <p:txBody>
-          <a:bodyPr wrap="square" rtlCol="0">
-            <a:spAutoFit/>
-          </a:bodyPr>
-          <a:lstStyle/>
-          <a:p>
-            <a:r>
-              <a:rPr lang="zh-CN" altLang="en-US" sz="2000"/>
-              <a:t>上下文切换是系统的关键机制，且实现时十分容易出错，完全封装在底层</a:t>
-            </a:r>
-            <a:r>
-              <a:rPr lang="en-US" altLang="zh-CN" sz="2000"/>
-              <a:t>ostd</a:t>
-            </a:r>
-            <a:r>
-              <a:rPr lang="zh-CN" altLang="en-US" sz="2000"/>
-              <a:t>中，上层</a:t>
-            </a:r>
-            <a:r>
-              <a:rPr lang="en-US" altLang="zh-CN" sz="2000"/>
-              <a:t>kernel</a:t>
-            </a:r>
-            <a:r>
-              <a:rPr lang="zh-CN" altLang="en-US" sz="2000"/>
-              <a:t>看不到。</a:t>
-            </a:r>
-            <a:endParaRPr lang="en-US" altLang="zh-CN" sz="2000"/>
-          </a:p>
-          <a:p>
-            <a:r>
-              <a:rPr lang="zh-CN" altLang="en-US" sz="2000"/>
-              <a:t>调度策略本质上就是一个算法，所以可以允许</a:t>
-            </a:r>
-            <a:r>
-              <a:rPr lang="en-US" altLang="zh-CN" sz="2000"/>
-              <a:t>kernel</a:t>
-            </a:r>
-            <a:r>
-              <a:rPr lang="zh-CN" altLang="en-US" sz="2000"/>
-              <a:t>进行替换。</a:t>
-            </a:r>
-          </a:p>
-        </p:txBody>
-      </p:sp>
       <p:pic>
         <p:nvPicPr>
-          <p:cNvPr id="8" name="图片 7">
-            <a:extLst>
-              <a:ext uri="{FF2B5EF4-FFF2-40B4-BE49-F238E27FC236}">
-                <a16:creationId xmlns:a16="http://schemas.microsoft.com/office/drawing/2014/main" id="{A8CD712B-5FF9-0654-A8FF-4ADECDB87F3B}"/>
+          <p:cNvPr id="6" name="图片 5">
+            <a:extLst>
+              <a:ext uri="{FF2B5EF4-FFF2-40B4-BE49-F238E27FC236}">
+                <a16:creationId xmlns:a16="http://schemas.microsoft.com/office/drawing/2014/main" id="{4539A71E-7839-D905-0B2A-56ACBA290722}"/>
               </a:ext>
             </a:extLst>
           </p:cNvPr>
@@ -5431,8 +5068,8 @@
         </p:blipFill>
         <p:spPr>
           <a:xfrm>
-            <a:off x="1127448" y="2486038"/>
-            <a:ext cx="4576564" cy="3486906"/>
+            <a:off x="515380" y="2204864"/>
+            <a:ext cx="3829050" cy="3810000"/>
           </a:xfrm>
           <a:prstGeom prst="rect">
             <a:avLst/>
@@ -5441,10 +5078,10 @@
       </p:pic>
       <p:sp>
         <p:nvSpPr>
-          <p:cNvPr id="9" name="文本框 8">
-            <a:extLst>
-              <a:ext uri="{FF2B5EF4-FFF2-40B4-BE49-F238E27FC236}">
-                <a16:creationId xmlns:a16="http://schemas.microsoft.com/office/drawing/2014/main" id="{82BD7FA9-1C07-5C1A-5602-F5EC3B0BE208}"/>
+          <p:cNvPr id="4" name="文本框 3">
+            <a:extLst>
+              <a:ext uri="{FF2B5EF4-FFF2-40B4-BE49-F238E27FC236}">
+                <a16:creationId xmlns:a16="http://schemas.microsoft.com/office/drawing/2014/main" id="{93C7EB2E-B440-E15E-C437-F68BE7DD8DCF}"/>
               </a:ext>
             </a:extLst>
           </p:cNvPr>
@@ -5453,8 +5090,8 @@
         </p:nvSpPr>
         <p:spPr>
           <a:xfrm>
-            <a:off x="6420036" y="3645024"/>
-            <a:ext cx="4262705" cy="400110"/>
+            <a:off x="515380" y="327273"/>
+            <a:ext cx="7056784" cy="584775"/>
           </a:xfrm>
           <a:prstGeom prst="rect">
             <a:avLst/>
@@ -5462,32 +5099,66 @@
           <a:noFill/>
         </p:spPr>
         <p:txBody>
-          <a:bodyPr wrap="none" rtlCol="0">
+          <a:bodyPr wrap="square">
             <a:spAutoFit/>
           </a:bodyPr>
           <a:lstStyle/>
           <a:p>
             <a:r>
-              <a:rPr lang="zh-CN" altLang="en-US" sz="2000"/>
-              <a:t>调用算法是基于</a:t>
-            </a:r>
-            <a:r>
-              <a:rPr lang="en-US" altLang="zh-CN" sz="2000"/>
-              <a:t>Trait</a:t>
-            </a:r>
-            <a:r>
-              <a:rPr lang="zh-CN" altLang="en-US" sz="2000"/>
-              <a:t>的注册回调机制</a:t>
-            </a:r>
-          </a:p>
-        </p:txBody>
-      </p:sp>
-      <p:sp>
-        <p:nvSpPr>
-          <p:cNvPr id="10" name="文本框 9">
-            <a:extLst>
-              <a:ext uri="{FF2B5EF4-FFF2-40B4-BE49-F238E27FC236}">
-                <a16:creationId xmlns:a16="http://schemas.microsoft.com/office/drawing/2014/main" id="{725E87E9-4CAB-C6DA-3A61-4C419F71161B}"/>
+              <a:rPr lang="zh-CN" altLang="en-US" sz="3200"/>
+              <a:t>内存方面 </a:t>
+            </a:r>
+            <a:r>
+              <a:rPr lang="en-US" altLang="zh-CN" sz="3200"/>
+              <a:t>- untyped </a:t>
+            </a:r>
+            <a:r>
+              <a:rPr lang="zh-CN" altLang="en-US" sz="3200"/>
+              <a:t>和 </a:t>
+            </a:r>
+            <a:r>
+              <a:rPr lang="en-US" altLang="zh-CN" sz="3200"/>
+              <a:t>typed</a:t>
+            </a:r>
+          </a:p>
+        </p:txBody>
+      </p:sp>
+      <p:pic>
+        <p:nvPicPr>
+          <p:cNvPr id="7" name="图片 6">
+            <a:extLst>
+              <a:ext uri="{FF2B5EF4-FFF2-40B4-BE49-F238E27FC236}">
+                <a16:creationId xmlns:a16="http://schemas.microsoft.com/office/drawing/2014/main" id="{7047D7D0-428F-0684-EEAA-4DD015478475}"/>
+              </a:ext>
+            </a:extLst>
+          </p:cNvPr>
+          <p:cNvPicPr>
+            <a:picLocks noChangeAspect="1"/>
+          </p:cNvPicPr>
+          <p:nvPr/>
+        </p:nvPicPr>
+        <p:blipFill>
+          <a:blip r:embed="rId3"/>
+          <a:stretch>
+            <a:fillRect/>
+          </a:stretch>
+        </p:blipFill>
+        <p:spPr>
+          <a:xfrm>
+            <a:off x="5231904" y="1422068"/>
+            <a:ext cx="6570196" cy="1440160"/>
+          </a:xfrm>
+          <a:prstGeom prst="rect">
+            <a:avLst/>
+          </a:prstGeom>
+        </p:spPr>
+      </p:pic>
+      <p:sp>
+        <p:nvSpPr>
+          <p:cNvPr id="8" name="文本框 7">
+            <a:extLst>
+              <a:ext uri="{FF2B5EF4-FFF2-40B4-BE49-F238E27FC236}">
+                <a16:creationId xmlns:a16="http://schemas.microsoft.com/office/drawing/2014/main" id="{F06DB51D-2CFA-CB60-A5B6-0DCC958401BB}"/>
               </a:ext>
             </a:extLst>
           </p:cNvPr>
@@ -5496,8 +5167,8 @@
         </p:nvSpPr>
         <p:spPr>
           <a:xfrm>
-            <a:off x="6420036" y="5260558"/>
-            <a:ext cx="4769254" cy="400110"/>
+            <a:off x="5231904" y="1052736"/>
+            <a:ext cx="3751348" cy="369332"/>
           </a:xfrm>
           <a:prstGeom prst="rect">
             <a:avLst/>
@@ -5511,24 +5182,228 @@
           <a:lstStyle/>
           <a:p>
             <a:r>
-              <a:rPr lang="zh-CN" altLang="en-US" sz="2000"/>
-              <a:t>上下文切换是</a:t>
-            </a:r>
-            <a:r>
-              <a:rPr lang="en-US" altLang="zh-CN" sz="2000"/>
+              <a:rPr lang="zh-CN" altLang="en-US"/>
+              <a:t>例如：在</a:t>
+            </a:r>
+            <a:r>
+              <a:rPr lang="en-US" altLang="zh-CN"/>
+              <a:t>kernel</a:t>
+            </a:r>
+            <a:r>
+              <a:rPr lang="zh-CN" altLang="en-US"/>
+              <a:t>中实现系统调用</a:t>
+            </a:r>
+            <a:r>
+              <a:rPr lang="en-US" altLang="zh-CN"/>
+              <a:t>fstat</a:t>
+            </a:r>
+            <a:endParaRPr lang="zh-CN" altLang="en-US"/>
+          </a:p>
+        </p:txBody>
+      </p:sp>
+      <p:sp>
+        <p:nvSpPr>
+          <p:cNvPr id="9" name="文本框 8">
+            <a:extLst>
+              <a:ext uri="{FF2B5EF4-FFF2-40B4-BE49-F238E27FC236}">
+                <a16:creationId xmlns:a16="http://schemas.microsoft.com/office/drawing/2014/main" id="{0B479725-D71D-C65C-0A14-299AAC15523C}"/>
+              </a:ext>
+            </a:extLst>
+          </p:cNvPr>
+          <p:cNvSpPr txBox="1"/>
+          <p:nvPr/>
+        </p:nvSpPr>
+        <p:spPr>
+          <a:xfrm>
+            <a:off x="5236909" y="2862228"/>
+            <a:ext cx="6833922" cy="1477328"/>
+          </a:xfrm>
+          <a:prstGeom prst="rect">
+            <a:avLst/>
+          </a:prstGeom>
+          <a:noFill/>
+        </p:spPr>
+        <p:txBody>
+          <a:bodyPr wrap="none" rtlCol="0">
+            <a:spAutoFit/>
+          </a:bodyPr>
+          <a:lstStyle/>
+          <a:p>
+            <a:r>
+              <a:rPr lang="zh-CN" altLang="en-US"/>
+              <a:t>第</a:t>
+            </a:r>
+            <a:r>
+              <a:rPr lang="en-US" altLang="zh-CN"/>
+              <a:t>3</a:t>
+            </a:r>
+            <a:r>
+              <a:rPr lang="zh-CN" altLang="en-US"/>
+              <a:t>行中的操作是</a:t>
+            </a:r>
+            <a:r>
+              <a:rPr lang="en-US" altLang="zh-CN"/>
               <a:t>ostd</a:t>
             </a:r>
             <a:r>
-              <a:rPr lang="zh-CN" altLang="en-US" sz="2000"/>
-              <a:t>内部机制，不对外暴露</a:t>
-            </a:r>
-          </a:p>
-        </p:txBody>
-      </p:sp>
+              <a:rPr lang="zh-CN" altLang="en-US"/>
+              <a:t>提供的，直接允许对来自用户应用的内存</a:t>
+            </a:r>
+            <a:endParaRPr lang="en-US" altLang="zh-CN"/>
+          </a:p>
+          <a:p>
+            <a:r>
+              <a:rPr lang="zh-CN" altLang="en-US"/>
+              <a:t>施行指针操作，因为这类内存是</a:t>
+            </a:r>
+            <a:r>
+              <a:rPr lang="en-US" altLang="zh-CN"/>
+              <a:t>untyped</a:t>
+            </a:r>
+            <a:r>
+              <a:rPr lang="zh-CN" altLang="en-US"/>
+              <a:t>类型。</a:t>
+            </a:r>
+            <a:endParaRPr lang="en-US" altLang="zh-CN"/>
+          </a:p>
+          <a:p>
+            <a:r>
+              <a:rPr lang="en-US" altLang="zh-CN"/>
+              <a:t>ctx.user_space().write_val</a:t>
+            </a:r>
+            <a:r>
+              <a:rPr lang="zh-CN" altLang="en-US"/>
+              <a:t>是由</a:t>
+            </a:r>
+            <a:r>
+              <a:rPr lang="en-US" altLang="zh-CN"/>
+              <a:t>ostd</a:t>
+            </a:r>
+            <a:r>
+              <a:rPr lang="zh-CN" altLang="en-US"/>
+              <a:t>（</a:t>
+            </a:r>
+            <a:r>
+              <a:rPr lang="en-US" altLang="zh-CN"/>
+              <a:t>TCB</a:t>
+            </a:r>
+            <a:r>
+              <a:rPr lang="zh-CN" altLang="en-US"/>
+              <a:t>）提供的接口，也是</a:t>
+            </a:r>
+            <a:r>
+              <a:rPr lang="en-US" altLang="zh-CN"/>
+              <a:t>kernel</a:t>
+            </a:r>
+          </a:p>
+          <a:p>
+            <a:r>
+              <a:rPr lang="zh-CN" altLang="en-US"/>
+              <a:t>唯一可以操作内存的途径。</a:t>
+            </a:r>
+            <a:endParaRPr lang="en-US" altLang="zh-CN"/>
+          </a:p>
+          <a:p>
+            <a:r>
+              <a:rPr lang="zh-CN" altLang="en-US"/>
+              <a:t>中间由</a:t>
+            </a:r>
+            <a:r>
+              <a:rPr lang="en-US" altLang="zh-CN"/>
+              <a:t>ostd</a:t>
+            </a:r>
+            <a:r>
+              <a:rPr lang="zh-CN" altLang="en-US"/>
+              <a:t>对传入的地址进行了检查，确保是用户内存区域。</a:t>
+            </a:r>
+            <a:endParaRPr lang="en-US" altLang="zh-CN"/>
+          </a:p>
+        </p:txBody>
+      </p:sp>
+      <p:sp>
+        <p:nvSpPr>
+          <p:cNvPr id="10" name="文本框 9">
+            <a:extLst>
+              <a:ext uri="{FF2B5EF4-FFF2-40B4-BE49-F238E27FC236}">
+                <a16:creationId xmlns:a16="http://schemas.microsoft.com/office/drawing/2014/main" id="{3D71F682-7787-8BAC-D271-40A766681000}"/>
+              </a:ext>
+            </a:extLst>
+          </p:cNvPr>
+          <p:cNvSpPr txBox="1"/>
+          <p:nvPr/>
+        </p:nvSpPr>
+        <p:spPr>
+          <a:xfrm>
+            <a:off x="623392" y="1376772"/>
+            <a:ext cx="3773790" cy="646331"/>
+          </a:xfrm>
+          <a:prstGeom prst="rect">
+            <a:avLst/>
+          </a:prstGeom>
+          <a:noFill/>
+        </p:spPr>
+        <p:txBody>
+          <a:bodyPr wrap="none" rtlCol="0">
+            <a:spAutoFit/>
+          </a:bodyPr>
+          <a:lstStyle/>
+          <a:p>
+            <a:r>
+              <a:rPr lang="zh-CN" altLang="en-US"/>
+              <a:t>对</a:t>
+            </a:r>
+            <a:r>
+              <a:rPr lang="en-US" altLang="zh-CN"/>
+              <a:t>untyped</a:t>
+            </a:r>
+            <a:r>
+              <a:rPr lang="zh-CN" altLang="en-US"/>
+              <a:t>内存可以在受控方式下，</a:t>
+            </a:r>
+            <a:endParaRPr lang="en-US" altLang="zh-CN"/>
+          </a:p>
+          <a:p>
+            <a:r>
+              <a:rPr lang="zh-CN" altLang="en-US"/>
+              <a:t>通过指针进行操作。</a:t>
+            </a:r>
+          </a:p>
+        </p:txBody>
+      </p:sp>
+      <p:pic>
+        <p:nvPicPr>
+          <p:cNvPr id="15" name="图片 14">
+            <a:extLst>
+              <a:ext uri="{FF2B5EF4-FFF2-40B4-BE49-F238E27FC236}">
+                <a16:creationId xmlns:a16="http://schemas.microsoft.com/office/drawing/2014/main" id="{53948F7F-8EB5-E3C8-7BE7-BE1B3CE77ED4}"/>
+              </a:ext>
+            </a:extLst>
+          </p:cNvPr>
+          <p:cNvPicPr>
+            <a:picLocks noChangeAspect="1"/>
+          </p:cNvPicPr>
+          <p:nvPr/>
+        </p:nvPicPr>
+        <p:blipFill>
+          <a:blip r:embed="rId4"/>
+          <a:stretch>
+            <a:fillRect/>
+          </a:stretch>
+        </p:blipFill>
+        <p:spPr>
+          <a:xfrm>
+            <a:off x="5339916" y="4437112"/>
+            <a:ext cx="5580620" cy="2280889"/>
+          </a:xfrm>
+          <a:prstGeom prst="rect">
+            <a:avLst/>
+          </a:prstGeom>
+        </p:spPr>
+      </p:pic>
     </p:spTree>
     <p:extLst>
       <p:ext uri="{BB962C8B-B14F-4D97-AF65-F5344CB8AC3E}">
-        <p14:creationId xmlns:p14="http://schemas.microsoft.com/office/powerpoint/2010/main" val="1954501228"/>
+        <p14:creationId xmlns:p14="http://schemas.microsoft.com/office/powerpoint/2010/main" val="434723879"/>
       </p:ext>
     </p:extLst>
   </p:cSld>
@@ -5543,7 +5418,13 @@
   <p:cSld>
     <p:spTree>
       <p:nvGrpSpPr>
-        <p:cNvPr id="1" name=""/>
+        <p:cNvPr id="1" name="">
+          <a:extLst>
+            <a:ext uri="{FF2B5EF4-FFF2-40B4-BE49-F238E27FC236}">
+              <a16:creationId xmlns:a16="http://schemas.microsoft.com/office/drawing/2014/main" id="{759E19ED-049D-9461-F55E-4D8565681547}"/>
+            </a:ext>
+          </a:extLst>
+        </p:cNvPr>
         <p:cNvGrpSpPr/>
         <p:nvPr/>
       </p:nvGrpSpPr>
@@ -5560,7 +5441,7 @@
           <p:cNvPr id="4" name="文本框 3">
             <a:extLst>
               <a:ext uri="{FF2B5EF4-FFF2-40B4-BE49-F238E27FC236}">
-                <a16:creationId xmlns:a16="http://schemas.microsoft.com/office/drawing/2014/main" id="{0DB9BC18-17C5-A9C7-E4D1-0DDD1C65D95A}"/>
+                <a16:creationId xmlns:a16="http://schemas.microsoft.com/office/drawing/2014/main" id="{86C31D85-FB23-5AA5-45C3-0170A0C423F9}"/>
               </a:ext>
             </a:extLst>
           </p:cNvPr>
@@ -5584,27 +5465,115 @@
           <a:lstStyle/>
           <a:p>
             <a:r>
+              <a:rPr lang="en-US" altLang="zh-CN" sz="3200"/>
+              <a:t>CPU</a:t>
+            </a:r>
+            <a:r>
               <a:rPr lang="zh-CN" altLang="en-US" sz="3200"/>
-              <a:t>中断方面：</a:t>
+              <a:t>状态方面</a:t>
             </a:r>
             <a:r>
               <a:rPr lang="en-US" altLang="zh-CN" sz="3200"/>
-              <a:t>top-half &amp; bottom-half</a:t>
+              <a:t>-</a:t>
             </a:r>
             <a:r>
               <a:rPr lang="zh-CN" altLang="en-US" sz="3200"/>
-              <a:t>阶段处理</a:t>
-            </a:r>
-            <a:endParaRPr lang="en-US" altLang="zh-CN" sz="3200"/>
+              <a:t>用户态</a:t>
+            </a:r>
+            <a:r>
+              <a:rPr lang="en-US" altLang="zh-CN" sz="3200"/>
+              <a:t>cpu-state</a:t>
+            </a:r>
+            <a:r>
+              <a:rPr lang="zh-CN" altLang="en-US" sz="3200"/>
+              <a:t>和内核态</a:t>
+            </a:r>
+            <a:r>
+              <a:rPr lang="en-US" altLang="zh-CN" sz="3200"/>
+              <a:t>cpu-state</a:t>
+            </a:r>
+          </a:p>
+        </p:txBody>
+      </p:sp>
+      <p:sp>
+        <p:nvSpPr>
+          <p:cNvPr id="6" name="文本框 5">
+            <a:extLst>
+              <a:ext uri="{FF2B5EF4-FFF2-40B4-BE49-F238E27FC236}">
+                <a16:creationId xmlns:a16="http://schemas.microsoft.com/office/drawing/2014/main" id="{75202A6C-425D-3A14-8C79-EF2422A784CD}"/>
+              </a:ext>
+            </a:extLst>
+          </p:cNvPr>
+          <p:cNvSpPr txBox="1"/>
+          <p:nvPr/>
+        </p:nvSpPr>
+        <p:spPr>
+          <a:xfrm>
+            <a:off x="551384" y="1016732"/>
+            <a:ext cx="10981220" cy="707886"/>
+          </a:xfrm>
+          <a:prstGeom prst="rect">
+            <a:avLst/>
+          </a:prstGeom>
+          <a:noFill/>
+        </p:spPr>
+        <p:txBody>
+          <a:bodyPr wrap="square" rtlCol="0">
+            <a:spAutoFit/>
+          </a:bodyPr>
+          <a:lstStyle/>
+          <a:p>
+            <a:r>
+              <a:rPr lang="zh-CN" altLang="en-US" sz="2000"/>
+              <a:t>用户态的部分</a:t>
+            </a:r>
+            <a:r>
+              <a:rPr lang="en-US" altLang="zh-CN" sz="2000"/>
+              <a:t>CPU</a:t>
+            </a:r>
+            <a:r>
+              <a:rPr lang="zh-CN" altLang="en-US" sz="2000"/>
+              <a:t>寄存器状态是允许被查看和修改的，不影响系统安全，却可以提升开发便利。</a:t>
+            </a:r>
+          </a:p>
+          <a:p>
+            <a:r>
+              <a:rPr lang="zh-CN" altLang="en-US" sz="2000"/>
+              <a:t>需要完全保护在</a:t>
+            </a:r>
+            <a:r>
+              <a:rPr lang="en-US" altLang="zh-CN" sz="2000"/>
+              <a:t>TCB</a:t>
+            </a:r>
+            <a:r>
+              <a:rPr lang="zh-CN" altLang="en-US" sz="2000"/>
+              <a:t>内部的只是内核态</a:t>
+            </a:r>
+            <a:r>
+              <a:rPr lang="en-US" altLang="zh-CN" sz="2000"/>
+              <a:t>CPU state</a:t>
+            </a:r>
+            <a:r>
+              <a:rPr lang="zh-CN" altLang="en-US" sz="2000"/>
+              <a:t>，那些必须严格保护在</a:t>
+            </a:r>
+            <a:r>
+              <a:rPr lang="en-US" altLang="zh-CN" sz="2000"/>
+              <a:t>ostd</a:t>
+            </a:r>
+            <a:r>
+              <a:rPr lang="zh-CN" altLang="en-US" sz="2000"/>
+              <a:t>内部。</a:t>
+            </a:r>
           </a:p>
         </p:txBody>
       </p:sp>
       <p:pic>
         <p:nvPicPr>
-          <p:cNvPr id="6" name="图片 5">
-            <a:extLst>
-              <a:ext uri="{FF2B5EF4-FFF2-40B4-BE49-F238E27FC236}">
-                <a16:creationId xmlns:a16="http://schemas.microsoft.com/office/drawing/2014/main" id="{A87724ED-D53D-0D7A-E48C-9F34E2E28C94}"/>
+          <p:cNvPr id="7" name="图片 6">
+            <a:extLst>
+              <a:ext uri="{FF2B5EF4-FFF2-40B4-BE49-F238E27FC236}">
+                <a16:creationId xmlns:a16="http://schemas.microsoft.com/office/drawing/2014/main" id="{FCCE2F0F-6639-B8E5-4027-9659757B9700}"/>
               </a:ext>
             </a:extLst>
           </p:cNvPr>
@@ -5621,8 +5590,8 @@
         </p:blipFill>
         <p:spPr>
           <a:xfrm>
-            <a:off x="611064" y="2564904"/>
-            <a:ext cx="5505450" cy="3429000"/>
+            <a:off x="519197" y="1821700"/>
+            <a:ext cx="6728932" cy="4983254"/>
           </a:xfrm>
           <a:prstGeom prst="rect">
             <a:avLst/>
@@ -5631,10 +5600,10 @@
       </p:pic>
       <p:sp>
         <p:nvSpPr>
-          <p:cNvPr id="7" name="文本框 6">
-            <a:extLst>
-              <a:ext uri="{FF2B5EF4-FFF2-40B4-BE49-F238E27FC236}">
-                <a16:creationId xmlns:a16="http://schemas.microsoft.com/office/drawing/2014/main" id="{59F29124-4319-EB2C-F088-0EDF28484E81}"/>
+          <p:cNvPr id="8" name="文本框 7">
+            <a:extLst>
+              <a:ext uri="{FF2B5EF4-FFF2-40B4-BE49-F238E27FC236}">
+                <a16:creationId xmlns:a16="http://schemas.microsoft.com/office/drawing/2014/main" id="{5B28CFB4-4CE9-C3B7-635E-B90B71CDBBCB}"/>
               </a:ext>
             </a:extLst>
           </p:cNvPr>
@@ -5643,8 +5612,8 @@
         </p:nvSpPr>
         <p:spPr>
           <a:xfrm>
-            <a:off x="623392" y="1124744"/>
-            <a:ext cx="9988632" cy="1015663"/>
+            <a:off x="7356140" y="3790781"/>
+            <a:ext cx="4019049" cy="1477328"/>
           </a:xfrm>
           <a:prstGeom prst="rect">
             <a:avLst/>
@@ -5658,162 +5627,71 @@
           <a:lstStyle/>
           <a:p>
             <a:r>
-              <a:rPr lang="zh-CN" altLang="en-US" sz="2000"/>
-              <a:t>类似</a:t>
-            </a:r>
-            <a:r>
-              <a:rPr lang="en-US" altLang="zh-CN" sz="2000"/>
-              <a:t>Linux</a:t>
-            </a:r>
-            <a:r>
-              <a:rPr lang="zh-CN" altLang="en-US" sz="2000"/>
-              <a:t>的对中断处理的设计，分为前半段和后半段：</a:t>
-            </a:r>
-            <a:endParaRPr lang="en-US" altLang="zh-CN" sz="2000"/>
-          </a:p>
-          <a:p>
-            <a:pPr marL="342900" indent="-342900">
-              <a:buFont typeface="Arial" panose="020B0604020202020204" pitchFamily="34" charset="0"/>
-              <a:buChar char="•"/>
-            </a:pPr>
-            <a:r>
-              <a:rPr lang="zh-CN" altLang="en-US" sz="2000"/>
-              <a:t>前半段涉及对系统级寄存器的直接修改，影响整个系统安全，必须包含在</a:t>
-            </a:r>
-            <a:r>
-              <a:rPr lang="en-US" altLang="zh-CN" sz="2000"/>
+              <a:rPr lang="zh-CN" altLang="en-US"/>
+              <a:t>示例：</a:t>
+            </a:r>
+            <a:r>
+              <a:rPr lang="en-US" altLang="zh-CN"/>
+              <a:t>kernel</a:t>
+            </a:r>
+            <a:r>
+              <a:rPr lang="zh-CN" altLang="en-US"/>
+              <a:t>实现</a:t>
+            </a:r>
+            <a:r>
+              <a:rPr lang="en-US" altLang="zh-CN"/>
+              <a:t>execve</a:t>
+            </a:r>
+            <a:r>
+              <a:rPr lang="zh-CN" altLang="en-US"/>
+              <a:t>系统调用。</a:t>
+            </a:r>
+            <a:endParaRPr lang="en-US" altLang="zh-CN"/>
+          </a:p>
+          <a:p>
+            <a:r>
+              <a:rPr lang="zh-CN" altLang="en-US"/>
+              <a:t>第</a:t>
+            </a:r>
+            <a:r>
+              <a:rPr lang="en-US" altLang="zh-CN"/>
+              <a:t>10~22</a:t>
+            </a:r>
+            <a:r>
+              <a:rPr lang="zh-CN" altLang="en-US"/>
+              <a:t>行，可以直接对用户态的</a:t>
+            </a:r>
+            <a:r>
+              <a:rPr lang="en-US" altLang="zh-CN"/>
+              <a:t>CPU</a:t>
+            </a:r>
+          </a:p>
+          <a:p>
+            <a:r>
+              <a:rPr lang="zh-CN" altLang="en-US"/>
+              <a:t>各个状态寄存器进行访问甚至修改。</a:t>
+            </a:r>
+            <a:endParaRPr lang="en-US" altLang="zh-CN"/>
+          </a:p>
+          <a:p>
+            <a:endParaRPr lang="en-US" altLang="zh-CN"/>
+          </a:p>
+          <a:p>
+            <a:r>
+              <a:rPr lang="en-US" altLang="zh-CN"/>
+              <a:t>UserContext</a:t>
+            </a:r>
+            <a:r>
+              <a:rPr lang="zh-CN" altLang="en-US"/>
+              <a:t>是由</a:t>
+            </a:r>
+            <a:r>
+              <a:rPr lang="en-US" altLang="zh-CN"/>
               <a:t>ostd</a:t>
             </a:r>
             <a:r>
-              <a:rPr lang="zh-CN" altLang="en-US" sz="2000"/>
-              <a:t>内部。</a:t>
-            </a:r>
-            <a:endParaRPr lang="en-US" altLang="zh-CN" sz="2000"/>
-          </a:p>
-          <a:p>
-            <a:pPr marL="342900" indent="-342900">
-              <a:buFont typeface="Arial" panose="020B0604020202020204" pitchFamily="34" charset="0"/>
-              <a:buChar char="•"/>
-            </a:pPr>
-            <a:r>
-              <a:rPr lang="zh-CN" altLang="en-US" sz="2000"/>
-              <a:t>后半段主要是业务处理，不必要采取</a:t>
-            </a:r>
-            <a:r>
-              <a:rPr lang="en-US" altLang="zh-CN" sz="2000"/>
-              <a:t>UnsafeMode</a:t>
-            </a:r>
-            <a:r>
-              <a:rPr lang="zh-CN" altLang="en-US" sz="2000"/>
-              <a:t>编程，所以分离到</a:t>
-            </a:r>
-            <a:r>
-              <a:rPr lang="en-US" altLang="zh-CN" sz="2000"/>
-              <a:t>kernel</a:t>
-            </a:r>
-            <a:r>
-              <a:rPr lang="zh-CN" altLang="en-US" sz="2000"/>
-              <a:t>中。</a:t>
-            </a:r>
-          </a:p>
-        </p:txBody>
-      </p:sp>
-      <p:sp>
-        <p:nvSpPr>
-          <p:cNvPr id="8" name="文本框 7">
-            <a:extLst>
-              <a:ext uri="{FF2B5EF4-FFF2-40B4-BE49-F238E27FC236}">
-                <a16:creationId xmlns:a16="http://schemas.microsoft.com/office/drawing/2014/main" id="{B01841BE-CC3A-E19C-38AF-BF2EA7D1C974}"/>
-              </a:ext>
-            </a:extLst>
-          </p:cNvPr>
-          <p:cNvSpPr txBox="1"/>
-          <p:nvPr/>
-        </p:nvSpPr>
-        <p:spPr>
-          <a:xfrm>
-            <a:off x="6348028" y="4317484"/>
-            <a:ext cx="5115503" cy="707886"/>
-          </a:xfrm>
-          <a:prstGeom prst="rect">
-            <a:avLst/>
-          </a:prstGeom>
-          <a:noFill/>
-        </p:spPr>
-        <p:txBody>
-          <a:bodyPr wrap="none" rtlCol="0">
-            <a:spAutoFit/>
-          </a:bodyPr>
-          <a:lstStyle/>
-          <a:p>
-            <a:r>
-              <a:rPr lang="zh-CN" altLang="en-US" sz="2000"/>
-              <a:t>在</a:t>
-            </a:r>
-            <a:r>
-              <a:rPr lang="en-US" altLang="zh-CN" sz="2000"/>
-              <a:t>Linux</a:t>
-            </a:r>
-            <a:r>
-              <a:rPr lang="zh-CN" altLang="en-US" sz="2000"/>
-              <a:t>中属于中断上下文，操作系统关键的</a:t>
-            </a:r>
-            <a:endParaRPr lang="en-US" altLang="zh-CN" sz="2000"/>
-          </a:p>
-          <a:p>
-            <a:r>
-              <a:rPr lang="zh-CN" altLang="en-US" sz="2000"/>
-              <a:t>资源，且时间要求严格。</a:t>
-            </a:r>
-          </a:p>
-        </p:txBody>
-      </p:sp>
-      <p:sp>
-        <p:nvSpPr>
-          <p:cNvPr id="9" name="文本框 8">
-            <a:extLst>
-              <a:ext uri="{FF2B5EF4-FFF2-40B4-BE49-F238E27FC236}">
-                <a16:creationId xmlns:a16="http://schemas.microsoft.com/office/drawing/2014/main" id="{41DFE006-8159-4A48-3260-E177B131CE64}"/>
-              </a:ext>
-            </a:extLst>
-          </p:cNvPr>
-          <p:cNvSpPr txBox="1"/>
-          <p:nvPr/>
-        </p:nvSpPr>
-        <p:spPr>
-          <a:xfrm>
-            <a:off x="6348028" y="2957453"/>
-            <a:ext cx="4602542" cy="707886"/>
-          </a:xfrm>
-          <a:prstGeom prst="rect">
-            <a:avLst/>
-          </a:prstGeom>
-          <a:noFill/>
-        </p:spPr>
-        <p:txBody>
-          <a:bodyPr wrap="none" rtlCol="0">
-            <a:spAutoFit/>
-          </a:bodyPr>
-          <a:lstStyle/>
-          <a:p>
-            <a:r>
-              <a:rPr lang="zh-CN" altLang="en-US" sz="2000"/>
-              <a:t>在</a:t>
-            </a:r>
-            <a:r>
-              <a:rPr lang="en-US" altLang="zh-CN" sz="2000"/>
-              <a:t>Linux</a:t>
-            </a:r>
-            <a:r>
-              <a:rPr lang="zh-CN" altLang="en-US" sz="2000"/>
-              <a:t>中被委托到进程上下文中处理，</a:t>
-            </a:r>
-            <a:endParaRPr lang="en-US" altLang="zh-CN" sz="2000"/>
-          </a:p>
-          <a:p>
-            <a:r>
-              <a:rPr lang="zh-CN" altLang="en-US" sz="2000"/>
-              <a:t>通常处理非关键性的资源。</a:t>
+              <a:rPr lang="zh-CN" altLang="en-US"/>
+              <a:t>提供的接口。</a:t>
             </a:r>
           </a:p>
         </p:txBody>
@@ -5821,7 +5699,7 @@
     </p:spTree>
     <p:extLst>
       <p:ext uri="{BB962C8B-B14F-4D97-AF65-F5344CB8AC3E}">
-        <p14:creationId xmlns:p14="http://schemas.microsoft.com/office/powerpoint/2010/main" val="2207380901"/>
+        <p14:creationId xmlns:p14="http://schemas.microsoft.com/office/powerpoint/2010/main" val="4022497681"/>
       </p:ext>
     </p:extLst>
   </p:cSld>
@@ -5853,7 +5731,7 @@
           <p:cNvPr id="4" name="文本框 3">
             <a:extLst>
               <a:ext uri="{FF2B5EF4-FFF2-40B4-BE49-F238E27FC236}">
-                <a16:creationId xmlns:a16="http://schemas.microsoft.com/office/drawing/2014/main" id="{09EF8F05-AA2C-A16E-5007-29C71D4DE488}"/>
+                <a16:creationId xmlns:a16="http://schemas.microsoft.com/office/drawing/2014/main" id="{99716001-F574-907C-A5C8-9BA62085A2D3}"/>
               </a:ext>
             </a:extLst>
           </p:cNvPr>
@@ -5878,7 +5756,15 @@
           <a:p>
             <a:r>
               <a:rPr lang="zh-CN" altLang="en-US" sz="3200"/>
-              <a:t>设备方面：系统设备和普通外设</a:t>
+              <a:t>调度方面</a:t>
+            </a:r>
+            <a:r>
+              <a:rPr lang="en-US" altLang="zh-CN" sz="3200"/>
+              <a:t>-</a:t>
+            </a:r>
+            <a:r>
+              <a:rPr lang="zh-CN" altLang="en-US" sz="3200"/>
+              <a:t>上下文切换和调度策略</a:t>
             </a:r>
             <a:endParaRPr lang="en-US" altLang="zh-CN" sz="3200"/>
           </a:p>
@@ -5886,10 +5772,10 @@
       </p:sp>
       <p:sp>
         <p:nvSpPr>
-          <p:cNvPr id="5" name="文本框 4">
-            <a:extLst>
-              <a:ext uri="{FF2B5EF4-FFF2-40B4-BE49-F238E27FC236}">
-                <a16:creationId xmlns:a16="http://schemas.microsoft.com/office/drawing/2014/main" id="{0674FDA8-077B-A7F5-87C7-815CF5B52424}"/>
+          <p:cNvPr id="6" name="文本框 5">
+            <a:extLst>
+              <a:ext uri="{FF2B5EF4-FFF2-40B4-BE49-F238E27FC236}">
+                <a16:creationId xmlns:a16="http://schemas.microsoft.com/office/drawing/2014/main" id="{B0ECB53F-DA8B-DBB1-53CE-F0CB53FD29CD}"/>
               </a:ext>
             </a:extLst>
           </p:cNvPr>
@@ -5898,8 +5784,8 @@
         </p:nvSpPr>
         <p:spPr>
           <a:xfrm>
-            <a:off x="619271" y="1088740"/>
-            <a:ext cx="11065850" cy="1015663"/>
+            <a:off x="587389" y="1160748"/>
+            <a:ext cx="11305256" cy="707886"/>
           </a:xfrm>
           <a:prstGeom prst="rect">
             <a:avLst/>
@@ -5907,30 +5793,14 @@
           <a:noFill/>
         </p:spPr>
         <p:txBody>
-          <a:bodyPr wrap="none" rtlCol="0">
+          <a:bodyPr wrap="square" rtlCol="0">
             <a:spAutoFit/>
           </a:bodyPr>
           <a:lstStyle/>
           <a:p>
             <a:r>
               <a:rPr lang="zh-CN" altLang="en-US" sz="2000"/>
-              <a:t>系统设备包括</a:t>
-            </a:r>
-            <a:r>
-              <a:rPr lang="en-US" altLang="zh-CN" sz="2000"/>
-              <a:t>IOMMU</a:t>
-            </a:r>
-            <a:r>
-              <a:rPr lang="zh-CN" altLang="en-US" sz="2000"/>
-              <a:t>和</a:t>
-            </a:r>
-            <a:r>
-              <a:rPr lang="en-US" altLang="zh-CN" sz="2000"/>
-              <a:t>APIC</a:t>
-            </a:r>
-            <a:r>
-              <a:rPr lang="zh-CN" altLang="en-US" sz="2000"/>
-              <a:t>之类可能破坏系统安全的设备，对它们的操作必须保护在</a:t>
+              <a:t>上下文切换是系统的关键机制，且实现时十分容易出错，完全封装在底层</a:t>
             </a:r>
             <a:r>
               <a:rPr lang="en-US" altLang="zh-CN" sz="2000"/>
@@ -5938,28 +5808,22 @@
             </a:r>
             <a:r>
               <a:rPr lang="zh-CN" altLang="en-US" sz="2000"/>
-              <a:t>之内，</a:t>
+              <a:t>中，上层</a:t>
+            </a:r>
+            <a:r>
+              <a:rPr lang="en-US" altLang="zh-CN" sz="2000"/>
+              <a:t>kernel</a:t>
+            </a:r>
+            <a:r>
+              <a:rPr lang="zh-CN" altLang="en-US" sz="2000"/>
+              <a:t>看不到。</a:t>
             </a:r>
             <a:endParaRPr lang="en-US" altLang="zh-CN" sz="2000"/>
           </a:p>
           <a:p>
             <a:r>
               <a:rPr lang="zh-CN" altLang="en-US" sz="2000"/>
-              <a:t>只能由</a:t>
-            </a:r>
-            <a:r>
-              <a:rPr lang="en-US" altLang="zh-CN" sz="2000"/>
-              <a:t>ostd</a:t>
-            </a:r>
-            <a:r>
-              <a:rPr lang="zh-CN" altLang="en-US" sz="2000"/>
-              <a:t>完成，不对外暴露。</a:t>
-            </a:r>
-          </a:p>
-          <a:p>
-            <a:r>
-              <a:rPr lang="zh-CN" altLang="en-US" sz="2000"/>
-              <a:t>普通外设，如网卡、显卡、存储之类，都没有全局破坏能力，提供受控接口暴露给</a:t>
+              <a:t>调度策略本质上就是一个算法，所以可以允许</a:t>
             </a:r>
             <a:r>
               <a:rPr lang="en-US" altLang="zh-CN" sz="2000"/>
@@ -5967,17 +5831,17 @@
             </a:r>
             <a:r>
               <a:rPr lang="zh-CN" altLang="en-US" sz="2000"/>
-              <a:t>实现。</a:t>
+              <a:t>进行替换。</a:t>
             </a:r>
           </a:p>
         </p:txBody>
       </p:sp>
       <p:pic>
         <p:nvPicPr>
-          <p:cNvPr id="7" name="图片 6">
-            <a:extLst>
-              <a:ext uri="{FF2B5EF4-FFF2-40B4-BE49-F238E27FC236}">
-                <a16:creationId xmlns:a16="http://schemas.microsoft.com/office/drawing/2014/main" id="{5CB11F33-0FC8-090B-FD97-355005420373}"/>
+          <p:cNvPr id="8" name="图片 7">
+            <a:extLst>
+              <a:ext uri="{FF2B5EF4-FFF2-40B4-BE49-F238E27FC236}">
+                <a16:creationId xmlns:a16="http://schemas.microsoft.com/office/drawing/2014/main" id="{A8CD712B-5FF9-0654-A8FF-4ADECDB87F3B}"/>
               </a:ext>
             </a:extLst>
           </p:cNvPr>
@@ -5994,8 +5858,8 @@
         </p:blipFill>
         <p:spPr>
           <a:xfrm>
-            <a:off x="3683732" y="2456892"/>
-            <a:ext cx="4572000" cy="4191000"/>
+            <a:off x="1127448" y="2486038"/>
+            <a:ext cx="4576564" cy="3486906"/>
           </a:xfrm>
           <a:prstGeom prst="rect">
             <a:avLst/>
@@ -6004,10 +5868,10 @@
       </p:pic>
       <p:sp>
         <p:nvSpPr>
-          <p:cNvPr id="8" name="文本框 7">
-            <a:extLst>
-              <a:ext uri="{FF2B5EF4-FFF2-40B4-BE49-F238E27FC236}">
-                <a16:creationId xmlns:a16="http://schemas.microsoft.com/office/drawing/2014/main" id="{E22E5BA9-2A25-A22D-7104-84797DD41C31}"/>
+          <p:cNvPr id="9" name="文本框 8">
+            <a:extLst>
+              <a:ext uri="{FF2B5EF4-FFF2-40B4-BE49-F238E27FC236}">
+                <a16:creationId xmlns:a16="http://schemas.microsoft.com/office/drawing/2014/main" id="{82BD7FA9-1C07-5C1A-5602-F5EC3B0BE208}"/>
               </a:ext>
             </a:extLst>
           </p:cNvPr>
@@ -6016,8 +5880,8 @@
         </p:nvSpPr>
         <p:spPr>
           <a:xfrm>
-            <a:off x="623392" y="3104964"/>
-            <a:ext cx="3185487" cy="1200329"/>
+            <a:off x="6420036" y="3645024"/>
+            <a:ext cx="4262705" cy="400110"/>
           </a:xfrm>
           <a:prstGeom prst="rect">
             <a:avLst/>
@@ -6031,54 +5895,26 @@
           <a:lstStyle/>
           <a:p>
             <a:r>
-              <a:rPr lang="en-US" altLang="zh-CN"/>
-              <a:t>kernel</a:t>
-            </a:r>
-            <a:r>
-              <a:rPr lang="zh-CN" altLang="en-US"/>
-              <a:t>可以实现普通外设驱动</a:t>
-            </a:r>
-            <a:endParaRPr lang="en-US" altLang="zh-CN"/>
-          </a:p>
-          <a:p>
-            <a:r>
-              <a:rPr lang="zh-CN" altLang="en-US"/>
-              <a:t>得益于</a:t>
-            </a:r>
-            <a:r>
-              <a:rPr lang="en-US" altLang="zh-CN"/>
-              <a:t>IOMMU</a:t>
-            </a:r>
-            <a:r>
-              <a:rPr lang="zh-CN" altLang="en-US"/>
-              <a:t>为设备</a:t>
-            </a:r>
-            <a:r>
-              <a:rPr lang="en-US" altLang="zh-CN"/>
-              <a:t>DMA</a:t>
-            </a:r>
-          </a:p>
-          <a:p>
-            <a:r>
-              <a:rPr lang="zh-CN" altLang="en-US"/>
-              <a:t>提供虚拟地址，能够限制它们</a:t>
-            </a:r>
-            <a:endParaRPr lang="en-US" altLang="zh-CN"/>
-          </a:p>
-          <a:p>
-            <a:r>
-              <a:rPr lang="zh-CN" altLang="en-US"/>
-              <a:t>对系统资源的访问。</a:t>
-            </a:r>
-          </a:p>
-        </p:txBody>
-      </p:sp>
-      <p:sp>
-        <p:nvSpPr>
-          <p:cNvPr id="9" name="文本框 8">
-            <a:extLst>
-              <a:ext uri="{FF2B5EF4-FFF2-40B4-BE49-F238E27FC236}">
-                <a16:creationId xmlns:a16="http://schemas.microsoft.com/office/drawing/2014/main" id="{2C93EAB7-C5DF-C791-CEE4-B00C2DD24F9C}"/>
+              <a:rPr lang="zh-CN" altLang="en-US" sz="2000"/>
+              <a:t>调用算法是基于</a:t>
+            </a:r>
+            <a:r>
+              <a:rPr lang="en-US" altLang="zh-CN" sz="2000"/>
+              <a:t>Trait</a:t>
+            </a:r>
+            <a:r>
+              <a:rPr lang="zh-CN" altLang="en-US" sz="2000"/>
+              <a:t>的注册回调机制</a:t>
+            </a:r>
+          </a:p>
+        </p:txBody>
+      </p:sp>
+      <p:sp>
+        <p:nvSpPr>
+          <p:cNvPr id="10" name="文本框 9">
+            <a:extLst>
+              <a:ext uri="{FF2B5EF4-FFF2-40B4-BE49-F238E27FC236}">
+                <a16:creationId xmlns:a16="http://schemas.microsoft.com/office/drawing/2014/main" id="{725E87E9-4CAB-C6DA-3A61-4C419F71161B}"/>
               </a:ext>
             </a:extLst>
           </p:cNvPr>
@@ -6087,8 +5923,8 @@
         </p:nvSpPr>
         <p:spPr>
           <a:xfrm>
-            <a:off x="619271" y="5445224"/>
-            <a:ext cx="2927404" cy="923330"/>
+            <a:off x="6420036" y="5260558"/>
+            <a:ext cx="4769254" cy="400110"/>
           </a:xfrm>
           <a:prstGeom prst="rect">
             <a:avLst/>
@@ -6102,118 +5938,16 @@
           <a:lstStyle/>
           <a:p>
             <a:r>
-              <a:rPr lang="en-US" altLang="zh-CN"/>
-              <a:t>IOMMU</a:t>
-            </a:r>
-            <a:r>
-              <a:rPr lang="zh-CN" altLang="en-US"/>
-              <a:t>的关键作用</a:t>
-            </a:r>
-            <a:endParaRPr lang="en-US" altLang="zh-CN"/>
-          </a:p>
-          <a:p>
-            <a:r>
-              <a:rPr lang="zh-CN" altLang="en-US"/>
-              <a:t>决定了它必须被</a:t>
-            </a:r>
-            <a:r>
-              <a:rPr lang="en-US" altLang="zh-CN"/>
+              <a:rPr lang="zh-CN" altLang="en-US" sz="2000"/>
+              <a:t>上下文切换是</a:t>
+            </a:r>
+            <a:r>
+              <a:rPr lang="en-US" altLang="zh-CN" sz="2000"/>
               <a:t>ostd</a:t>
             </a:r>
             <a:r>
-              <a:rPr lang="zh-CN" altLang="en-US"/>
-              <a:t>保护，</a:t>
-            </a:r>
-            <a:endParaRPr lang="en-US" altLang="zh-CN"/>
-          </a:p>
-          <a:p>
-            <a:r>
-              <a:rPr lang="zh-CN" altLang="en-US"/>
-              <a:t>不暴露给</a:t>
-            </a:r>
-            <a:r>
-              <a:rPr lang="en-US" altLang="zh-CN"/>
-              <a:t>kernel</a:t>
-            </a:r>
-            <a:r>
-              <a:rPr lang="zh-CN" altLang="en-US"/>
-              <a:t>。</a:t>
-            </a:r>
-          </a:p>
-        </p:txBody>
-      </p:sp>
-      <p:sp>
-        <p:nvSpPr>
-          <p:cNvPr id="10" name="文本框 9">
-            <a:extLst>
-              <a:ext uri="{FF2B5EF4-FFF2-40B4-BE49-F238E27FC236}">
-                <a16:creationId xmlns:a16="http://schemas.microsoft.com/office/drawing/2014/main" id="{9DD48530-6DCF-E662-6E7D-2502B8A84714}"/>
-              </a:ext>
-            </a:extLst>
-          </p:cNvPr>
-          <p:cNvSpPr txBox="1"/>
-          <p:nvPr/>
-        </p:nvSpPr>
-        <p:spPr>
-          <a:xfrm>
-            <a:off x="8390294" y="4552392"/>
-            <a:ext cx="3429144" cy="1200329"/>
-          </a:xfrm>
-          <a:prstGeom prst="rect">
-            <a:avLst/>
-          </a:prstGeom>
-          <a:noFill/>
-        </p:spPr>
-        <p:txBody>
-          <a:bodyPr wrap="none" rtlCol="0">
-            <a:spAutoFit/>
-          </a:bodyPr>
-          <a:lstStyle/>
-          <a:p>
-            <a:r>
-              <a:rPr lang="en-US" altLang="zh-CN"/>
-              <a:t>APIC</a:t>
-            </a:r>
-            <a:r>
-              <a:rPr lang="zh-CN" altLang="en-US"/>
-              <a:t>控制中断响应入口和方式，</a:t>
-            </a:r>
-            <a:endParaRPr lang="en-US" altLang="zh-CN"/>
-          </a:p>
-          <a:p>
-            <a:r>
-              <a:rPr lang="zh-CN" altLang="en-US"/>
-              <a:t>直接关系到系统的安全。</a:t>
-            </a:r>
-            <a:endParaRPr lang="en-US" altLang="zh-CN"/>
-          </a:p>
-          <a:p>
-            <a:r>
-              <a:rPr lang="zh-CN" altLang="en-US"/>
-              <a:t>所以只能被</a:t>
-            </a:r>
-            <a:r>
-              <a:rPr lang="en-US" altLang="zh-CN"/>
-              <a:t>ostd</a:t>
-            </a:r>
-            <a:r>
-              <a:rPr lang="zh-CN" altLang="en-US"/>
-              <a:t>管理，</a:t>
-            </a:r>
-            <a:endParaRPr lang="en-US" altLang="zh-CN"/>
-          </a:p>
-          <a:p>
-            <a:r>
-              <a:rPr lang="zh-CN" altLang="en-US"/>
-              <a:t>不能暴露给</a:t>
-            </a:r>
-            <a:r>
-              <a:rPr lang="en-US" altLang="zh-CN"/>
-              <a:t>kernel</a:t>
-            </a:r>
-            <a:r>
-              <a:rPr lang="zh-CN" altLang="en-US"/>
-              <a:t>。</a:t>
+              <a:rPr lang="zh-CN" altLang="en-US" sz="2000"/>
+              <a:t>内部机制，不对外暴露</a:t>
             </a:r>
           </a:p>
         </p:txBody>
@@ -6221,7 +5955,7 @@
     </p:spTree>
     <p:extLst>
       <p:ext uri="{BB962C8B-B14F-4D97-AF65-F5344CB8AC3E}">
-        <p14:creationId xmlns:p14="http://schemas.microsoft.com/office/powerpoint/2010/main" val="2940673689"/>
+        <p14:creationId xmlns:p14="http://schemas.microsoft.com/office/powerpoint/2010/main" val="1954501228"/>
       </p:ext>
     </p:extLst>
   </p:cSld>
@@ -6253,6 +5987,699 @@
           <p:cNvPr id="4" name="文本框 3">
             <a:extLst>
               <a:ext uri="{FF2B5EF4-FFF2-40B4-BE49-F238E27FC236}">
+                <a16:creationId xmlns:a16="http://schemas.microsoft.com/office/drawing/2014/main" id="{0DB9BC18-17C5-A9C7-E4D1-0DDD1C65D95A}"/>
+              </a:ext>
+            </a:extLst>
+          </p:cNvPr>
+          <p:cNvSpPr txBox="1"/>
+          <p:nvPr/>
+        </p:nvSpPr>
+        <p:spPr>
+          <a:xfrm>
+            <a:off x="515380" y="327273"/>
+            <a:ext cx="10009112" cy="584775"/>
+          </a:xfrm>
+          <a:prstGeom prst="rect">
+            <a:avLst/>
+          </a:prstGeom>
+          <a:noFill/>
+        </p:spPr>
+        <p:txBody>
+          <a:bodyPr wrap="square">
+            <a:spAutoFit/>
+          </a:bodyPr>
+          <a:lstStyle/>
+          <a:p>
+            <a:r>
+              <a:rPr lang="zh-CN" altLang="en-US" sz="3200"/>
+              <a:t>中断方面：</a:t>
+            </a:r>
+            <a:r>
+              <a:rPr lang="en-US" altLang="zh-CN" sz="3200"/>
+              <a:t>top-half &amp; bottom-half</a:t>
+            </a:r>
+            <a:r>
+              <a:rPr lang="zh-CN" altLang="en-US" sz="3200"/>
+              <a:t>阶段处理</a:t>
+            </a:r>
+            <a:endParaRPr lang="en-US" altLang="zh-CN" sz="3200"/>
+          </a:p>
+        </p:txBody>
+      </p:sp>
+      <p:pic>
+        <p:nvPicPr>
+          <p:cNvPr id="6" name="图片 5">
+            <a:extLst>
+              <a:ext uri="{FF2B5EF4-FFF2-40B4-BE49-F238E27FC236}">
+                <a16:creationId xmlns:a16="http://schemas.microsoft.com/office/drawing/2014/main" id="{A87724ED-D53D-0D7A-E48C-9F34E2E28C94}"/>
+              </a:ext>
+            </a:extLst>
+          </p:cNvPr>
+          <p:cNvPicPr>
+            <a:picLocks noChangeAspect="1"/>
+          </p:cNvPicPr>
+          <p:nvPr/>
+        </p:nvPicPr>
+        <p:blipFill>
+          <a:blip r:embed="rId2"/>
+          <a:stretch>
+            <a:fillRect/>
+          </a:stretch>
+        </p:blipFill>
+        <p:spPr>
+          <a:xfrm>
+            <a:off x="611064" y="2564904"/>
+            <a:ext cx="5505450" cy="3429000"/>
+          </a:xfrm>
+          <a:prstGeom prst="rect">
+            <a:avLst/>
+          </a:prstGeom>
+        </p:spPr>
+      </p:pic>
+      <p:sp>
+        <p:nvSpPr>
+          <p:cNvPr id="7" name="文本框 6">
+            <a:extLst>
+              <a:ext uri="{FF2B5EF4-FFF2-40B4-BE49-F238E27FC236}">
+                <a16:creationId xmlns:a16="http://schemas.microsoft.com/office/drawing/2014/main" id="{59F29124-4319-EB2C-F088-0EDF28484E81}"/>
+              </a:ext>
+            </a:extLst>
+          </p:cNvPr>
+          <p:cNvSpPr txBox="1"/>
+          <p:nvPr/>
+        </p:nvSpPr>
+        <p:spPr>
+          <a:xfrm>
+            <a:off x="623392" y="1124744"/>
+            <a:ext cx="9988632" cy="1015663"/>
+          </a:xfrm>
+          <a:prstGeom prst="rect">
+            <a:avLst/>
+          </a:prstGeom>
+          <a:noFill/>
+        </p:spPr>
+        <p:txBody>
+          <a:bodyPr wrap="none" rtlCol="0">
+            <a:spAutoFit/>
+          </a:bodyPr>
+          <a:lstStyle/>
+          <a:p>
+            <a:r>
+              <a:rPr lang="zh-CN" altLang="en-US" sz="2000"/>
+              <a:t>类似</a:t>
+            </a:r>
+            <a:r>
+              <a:rPr lang="en-US" altLang="zh-CN" sz="2000"/>
+              <a:t>Linux</a:t>
+            </a:r>
+            <a:r>
+              <a:rPr lang="zh-CN" altLang="en-US" sz="2000"/>
+              <a:t>的对中断处理的设计，分为前半段和后半段：</a:t>
+            </a:r>
+            <a:endParaRPr lang="en-US" altLang="zh-CN" sz="2000"/>
+          </a:p>
+          <a:p>
+            <a:pPr marL="342900" indent="-342900">
+              <a:buFont typeface="Arial" panose="020B0604020202020204" pitchFamily="34" charset="0"/>
+              <a:buChar char="•"/>
+            </a:pPr>
+            <a:r>
+              <a:rPr lang="zh-CN" altLang="en-US" sz="2000"/>
+              <a:t>前半段涉及对系统级寄存器的直接修改，影响整个系统安全，必须包含在</a:t>
+            </a:r>
+            <a:r>
+              <a:rPr lang="en-US" altLang="zh-CN" sz="2000"/>
+              <a:t>ostd</a:t>
+            </a:r>
+            <a:r>
+              <a:rPr lang="zh-CN" altLang="en-US" sz="2000"/>
+              <a:t>内部。</a:t>
+            </a:r>
+            <a:endParaRPr lang="en-US" altLang="zh-CN" sz="2000"/>
+          </a:p>
+          <a:p>
+            <a:pPr marL="342900" indent="-342900">
+              <a:buFont typeface="Arial" panose="020B0604020202020204" pitchFamily="34" charset="0"/>
+              <a:buChar char="•"/>
+            </a:pPr>
+            <a:r>
+              <a:rPr lang="zh-CN" altLang="en-US" sz="2000"/>
+              <a:t>后半段主要是业务处理，不必要采取</a:t>
+            </a:r>
+            <a:r>
+              <a:rPr lang="en-US" altLang="zh-CN" sz="2000"/>
+              <a:t>UnsafeMode</a:t>
+            </a:r>
+            <a:r>
+              <a:rPr lang="zh-CN" altLang="en-US" sz="2000"/>
+              <a:t>编程，所以分离到</a:t>
+            </a:r>
+            <a:r>
+              <a:rPr lang="en-US" altLang="zh-CN" sz="2000"/>
+              <a:t>kernel</a:t>
+            </a:r>
+            <a:r>
+              <a:rPr lang="zh-CN" altLang="en-US" sz="2000"/>
+              <a:t>中。</a:t>
+            </a:r>
+          </a:p>
+        </p:txBody>
+      </p:sp>
+      <p:sp>
+        <p:nvSpPr>
+          <p:cNvPr id="8" name="文本框 7">
+            <a:extLst>
+              <a:ext uri="{FF2B5EF4-FFF2-40B4-BE49-F238E27FC236}">
+                <a16:creationId xmlns:a16="http://schemas.microsoft.com/office/drawing/2014/main" id="{B01841BE-CC3A-E19C-38AF-BF2EA7D1C974}"/>
+              </a:ext>
+            </a:extLst>
+          </p:cNvPr>
+          <p:cNvSpPr txBox="1"/>
+          <p:nvPr/>
+        </p:nvSpPr>
+        <p:spPr>
+          <a:xfrm>
+            <a:off x="6348028" y="4317484"/>
+            <a:ext cx="5115503" cy="707886"/>
+          </a:xfrm>
+          <a:prstGeom prst="rect">
+            <a:avLst/>
+          </a:prstGeom>
+          <a:noFill/>
+        </p:spPr>
+        <p:txBody>
+          <a:bodyPr wrap="none" rtlCol="0">
+            <a:spAutoFit/>
+          </a:bodyPr>
+          <a:lstStyle/>
+          <a:p>
+            <a:r>
+              <a:rPr lang="zh-CN" altLang="en-US" sz="2000"/>
+              <a:t>在</a:t>
+            </a:r>
+            <a:r>
+              <a:rPr lang="en-US" altLang="zh-CN" sz="2000"/>
+              <a:t>Linux</a:t>
+            </a:r>
+            <a:r>
+              <a:rPr lang="zh-CN" altLang="en-US" sz="2000"/>
+              <a:t>中属于中断上下文，操作系统关键的</a:t>
+            </a:r>
+            <a:endParaRPr lang="en-US" altLang="zh-CN" sz="2000"/>
+          </a:p>
+          <a:p>
+            <a:r>
+              <a:rPr lang="zh-CN" altLang="en-US" sz="2000"/>
+              <a:t>资源，且时间要求严格。</a:t>
+            </a:r>
+          </a:p>
+        </p:txBody>
+      </p:sp>
+      <p:sp>
+        <p:nvSpPr>
+          <p:cNvPr id="9" name="文本框 8">
+            <a:extLst>
+              <a:ext uri="{FF2B5EF4-FFF2-40B4-BE49-F238E27FC236}">
+                <a16:creationId xmlns:a16="http://schemas.microsoft.com/office/drawing/2014/main" id="{41DFE006-8159-4A48-3260-E177B131CE64}"/>
+              </a:ext>
+            </a:extLst>
+          </p:cNvPr>
+          <p:cNvSpPr txBox="1"/>
+          <p:nvPr/>
+        </p:nvSpPr>
+        <p:spPr>
+          <a:xfrm>
+            <a:off x="6348028" y="2957453"/>
+            <a:ext cx="4602542" cy="707886"/>
+          </a:xfrm>
+          <a:prstGeom prst="rect">
+            <a:avLst/>
+          </a:prstGeom>
+          <a:noFill/>
+        </p:spPr>
+        <p:txBody>
+          <a:bodyPr wrap="none" rtlCol="0">
+            <a:spAutoFit/>
+          </a:bodyPr>
+          <a:lstStyle/>
+          <a:p>
+            <a:r>
+              <a:rPr lang="zh-CN" altLang="en-US" sz="2000"/>
+              <a:t>在</a:t>
+            </a:r>
+            <a:r>
+              <a:rPr lang="en-US" altLang="zh-CN" sz="2000"/>
+              <a:t>Linux</a:t>
+            </a:r>
+            <a:r>
+              <a:rPr lang="zh-CN" altLang="en-US" sz="2000"/>
+              <a:t>中被委托到进程上下文中处理，</a:t>
+            </a:r>
+            <a:endParaRPr lang="en-US" altLang="zh-CN" sz="2000"/>
+          </a:p>
+          <a:p>
+            <a:r>
+              <a:rPr lang="zh-CN" altLang="en-US" sz="2000"/>
+              <a:t>通常处理非关键性的资源。</a:t>
+            </a:r>
+          </a:p>
+        </p:txBody>
+      </p:sp>
+    </p:spTree>
+    <p:extLst>
+      <p:ext uri="{BB962C8B-B14F-4D97-AF65-F5344CB8AC3E}">
+        <p14:creationId xmlns:p14="http://schemas.microsoft.com/office/powerpoint/2010/main" val="2207380901"/>
+      </p:ext>
+    </p:extLst>
+  </p:cSld>
+  <p:clrMapOvr>
+    <a:masterClrMapping/>
+  </p:clrMapOvr>
+</p:sld>
+</file>
+
+<file path=ppt/slides/slide17.xml><?xml version="1.0" encoding="utf-8"?>
+<p:sld xmlns:a="http://schemas.openxmlformats.org/drawingml/2006/main" xmlns:r="http://schemas.openxmlformats.org/officeDocument/2006/relationships" xmlns:p="http://schemas.openxmlformats.org/presentationml/2006/main">
+  <p:cSld>
+    <p:spTree>
+      <p:nvGrpSpPr>
+        <p:cNvPr id="1" name=""/>
+        <p:cNvGrpSpPr/>
+        <p:nvPr/>
+      </p:nvGrpSpPr>
+      <p:grpSpPr>
+        <a:xfrm>
+          <a:off x="0" y="0"/>
+          <a:ext cx="0" cy="0"/>
+          <a:chOff x="0" y="0"/>
+          <a:chExt cx="0" cy="0"/>
+        </a:xfrm>
+      </p:grpSpPr>
+      <p:sp>
+        <p:nvSpPr>
+          <p:cNvPr id="4" name="文本框 3">
+            <a:extLst>
+              <a:ext uri="{FF2B5EF4-FFF2-40B4-BE49-F238E27FC236}">
+                <a16:creationId xmlns:a16="http://schemas.microsoft.com/office/drawing/2014/main" id="{09EF8F05-AA2C-A16E-5007-29C71D4DE488}"/>
+              </a:ext>
+            </a:extLst>
+          </p:cNvPr>
+          <p:cNvSpPr txBox="1"/>
+          <p:nvPr/>
+        </p:nvSpPr>
+        <p:spPr>
+          <a:xfrm>
+            <a:off x="515380" y="327273"/>
+            <a:ext cx="10009112" cy="584775"/>
+          </a:xfrm>
+          <a:prstGeom prst="rect">
+            <a:avLst/>
+          </a:prstGeom>
+          <a:noFill/>
+        </p:spPr>
+        <p:txBody>
+          <a:bodyPr wrap="square">
+            <a:spAutoFit/>
+          </a:bodyPr>
+          <a:lstStyle/>
+          <a:p>
+            <a:r>
+              <a:rPr lang="zh-CN" altLang="en-US" sz="3200"/>
+              <a:t>设备方面：系统设备和普通外设</a:t>
+            </a:r>
+            <a:endParaRPr lang="en-US" altLang="zh-CN" sz="3200"/>
+          </a:p>
+        </p:txBody>
+      </p:sp>
+      <p:sp>
+        <p:nvSpPr>
+          <p:cNvPr id="5" name="文本框 4">
+            <a:extLst>
+              <a:ext uri="{FF2B5EF4-FFF2-40B4-BE49-F238E27FC236}">
+                <a16:creationId xmlns:a16="http://schemas.microsoft.com/office/drawing/2014/main" id="{0674FDA8-077B-A7F5-87C7-815CF5B52424}"/>
+              </a:ext>
+            </a:extLst>
+          </p:cNvPr>
+          <p:cNvSpPr txBox="1"/>
+          <p:nvPr/>
+        </p:nvSpPr>
+        <p:spPr>
+          <a:xfrm>
+            <a:off x="619271" y="1088740"/>
+            <a:ext cx="11065850" cy="1015663"/>
+          </a:xfrm>
+          <a:prstGeom prst="rect">
+            <a:avLst/>
+          </a:prstGeom>
+          <a:noFill/>
+        </p:spPr>
+        <p:txBody>
+          <a:bodyPr wrap="none" rtlCol="0">
+            <a:spAutoFit/>
+          </a:bodyPr>
+          <a:lstStyle/>
+          <a:p>
+            <a:r>
+              <a:rPr lang="zh-CN" altLang="en-US" sz="2000"/>
+              <a:t>系统设备包括</a:t>
+            </a:r>
+            <a:r>
+              <a:rPr lang="en-US" altLang="zh-CN" sz="2000"/>
+              <a:t>IOMMU</a:t>
+            </a:r>
+            <a:r>
+              <a:rPr lang="zh-CN" altLang="en-US" sz="2000"/>
+              <a:t>和</a:t>
+            </a:r>
+            <a:r>
+              <a:rPr lang="en-US" altLang="zh-CN" sz="2000"/>
+              <a:t>APIC</a:t>
+            </a:r>
+            <a:r>
+              <a:rPr lang="zh-CN" altLang="en-US" sz="2000"/>
+              <a:t>之类可能破坏系统安全的设备，对它们的操作必须保护在</a:t>
+            </a:r>
+            <a:r>
+              <a:rPr lang="en-US" altLang="zh-CN" sz="2000"/>
+              <a:t>ostd</a:t>
+            </a:r>
+            <a:r>
+              <a:rPr lang="zh-CN" altLang="en-US" sz="2000"/>
+              <a:t>之内，</a:t>
+            </a:r>
+            <a:endParaRPr lang="en-US" altLang="zh-CN" sz="2000"/>
+          </a:p>
+          <a:p>
+            <a:r>
+              <a:rPr lang="zh-CN" altLang="en-US" sz="2000"/>
+              <a:t>只能由</a:t>
+            </a:r>
+            <a:r>
+              <a:rPr lang="en-US" altLang="zh-CN" sz="2000"/>
+              <a:t>ostd</a:t>
+            </a:r>
+            <a:r>
+              <a:rPr lang="zh-CN" altLang="en-US" sz="2000"/>
+              <a:t>完成，不对外暴露。</a:t>
+            </a:r>
+          </a:p>
+          <a:p>
+            <a:r>
+              <a:rPr lang="zh-CN" altLang="en-US" sz="2000"/>
+              <a:t>普通外设，如网卡、显卡、存储之类，都没有全局破坏能力，提供受控接口暴露给</a:t>
+            </a:r>
+            <a:r>
+              <a:rPr lang="en-US" altLang="zh-CN" sz="2000"/>
+              <a:t>kernel</a:t>
+            </a:r>
+            <a:r>
+              <a:rPr lang="zh-CN" altLang="en-US" sz="2000"/>
+              <a:t>实现。</a:t>
+            </a:r>
+          </a:p>
+        </p:txBody>
+      </p:sp>
+      <p:pic>
+        <p:nvPicPr>
+          <p:cNvPr id="7" name="图片 6">
+            <a:extLst>
+              <a:ext uri="{FF2B5EF4-FFF2-40B4-BE49-F238E27FC236}">
+                <a16:creationId xmlns:a16="http://schemas.microsoft.com/office/drawing/2014/main" id="{5CB11F33-0FC8-090B-FD97-355005420373}"/>
+              </a:ext>
+            </a:extLst>
+          </p:cNvPr>
+          <p:cNvPicPr>
+            <a:picLocks noChangeAspect="1"/>
+          </p:cNvPicPr>
+          <p:nvPr/>
+        </p:nvPicPr>
+        <p:blipFill>
+          <a:blip r:embed="rId2"/>
+          <a:stretch>
+            <a:fillRect/>
+          </a:stretch>
+        </p:blipFill>
+        <p:spPr>
+          <a:xfrm>
+            <a:off x="3683732" y="2456892"/>
+            <a:ext cx="4572000" cy="4191000"/>
+          </a:xfrm>
+          <a:prstGeom prst="rect">
+            <a:avLst/>
+          </a:prstGeom>
+        </p:spPr>
+      </p:pic>
+      <p:sp>
+        <p:nvSpPr>
+          <p:cNvPr id="8" name="文本框 7">
+            <a:extLst>
+              <a:ext uri="{FF2B5EF4-FFF2-40B4-BE49-F238E27FC236}">
+                <a16:creationId xmlns:a16="http://schemas.microsoft.com/office/drawing/2014/main" id="{E22E5BA9-2A25-A22D-7104-84797DD41C31}"/>
+              </a:ext>
+            </a:extLst>
+          </p:cNvPr>
+          <p:cNvSpPr txBox="1"/>
+          <p:nvPr/>
+        </p:nvSpPr>
+        <p:spPr>
+          <a:xfrm>
+            <a:off x="623392" y="3104964"/>
+            <a:ext cx="3185487" cy="1200329"/>
+          </a:xfrm>
+          <a:prstGeom prst="rect">
+            <a:avLst/>
+          </a:prstGeom>
+          <a:noFill/>
+        </p:spPr>
+        <p:txBody>
+          <a:bodyPr wrap="none" rtlCol="0">
+            <a:spAutoFit/>
+          </a:bodyPr>
+          <a:lstStyle/>
+          <a:p>
+            <a:r>
+              <a:rPr lang="en-US" altLang="zh-CN"/>
+              <a:t>kernel</a:t>
+            </a:r>
+            <a:r>
+              <a:rPr lang="zh-CN" altLang="en-US"/>
+              <a:t>可以实现普通外设驱动</a:t>
+            </a:r>
+            <a:endParaRPr lang="en-US" altLang="zh-CN"/>
+          </a:p>
+          <a:p>
+            <a:r>
+              <a:rPr lang="zh-CN" altLang="en-US"/>
+              <a:t>得益于</a:t>
+            </a:r>
+            <a:r>
+              <a:rPr lang="en-US" altLang="zh-CN"/>
+              <a:t>IOMMU</a:t>
+            </a:r>
+            <a:r>
+              <a:rPr lang="zh-CN" altLang="en-US"/>
+              <a:t>为设备</a:t>
+            </a:r>
+            <a:r>
+              <a:rPr lang="en-US" altLang="zh-CN"/>
+              <a:t>DMA</a:t>
+            </a:r>
+          </a:p>
+          <a:p>
+            <a:r>
+              <a:rPr lang="zh-CN" altLang="en-US"/>
+              <a:t>提供虚拟地址，能够限制它们</a:t>
+            </a:r>
+            <a:endParaRPr lang="en-US" altLang="zh-CN"/>
+          </a:p>
+          <a:p>
+            <a:r>
+              <a:rPr lang="zh-CN" altLang="en-US"/>
+              <a:t>对系统资源的访问。</a:t>
+            </a:r>
+          </a:p>
+        </p:txBody>
+      </p:sp>
+      <p:sp>
+        <p:nvSpPr>
+          <p:cNvPr id="9" name="文本框 8">
+            <a:extLst>
+              <a:ext uri="{FF2B5EF4-FFF2-40B4-BE49-F238E27FC236}">
+                <a16:creationId xmlns:a16="http://schemas.microsoft.com/office/drawing/2014/main" id="{2C93EAB7-C5DF-C791-CEE4-B00C2DD24F9C}"/>
+              </a:ext>
+            </a:extLst>
+          </p:cNvPr>
+          <p:cNvSpPr txBox="1"/>
+          <p:nvPr/>
+        </p:nvSpPr>
+        <p:spPr>
+          <a:xfrm>
+            <a:off x="619271" y="5445224"/>
+            <a:ext cx="2927404" cy="923330"/>
+          </a:xfrm>
+          <a:prstGeom prst="rect">
+            <a:avLst/>
+          </a:prstGeom>
+          <a:noFill/>
+        </p:spPr>
+        <p:txBody>
+          <a:bodyPr wrap="none" rtlCol="0">
+            <a:spAutoFit/>
+          </a:bodyPr>
+          <a:lstStyle/>
+          <a:p>
+            <a:r>
+              <a:rPr lang="en-US" altLang="zh-CN"/>
+              <a:t>IOMMU</a:t>
+            </a:r>
+            <a:r>
+              <a:rPr lang="zh-CN" altLang="en-US"/>
+              <a:t>的关键作用</a:t>
+            </a:r>
+            <a:endParaRPr lang="en-US" altLang="zh-CN"/>
+          </a:p>
+          <a:p>
+            <a:r>
+              <a:rPr lang="zh-CN" altLang="en-US"/>
+              <a:t>决定了它必须被</a:t>
+            </a:r>
+            <a:r>
+              <a:rPr lang="en-US" altLang="zh-CN"/>
+              <a:t>ostd</a:t>
+            </a:r>
+            <a:r>
+              <a:rPr lang="zh-CN" altLang="en-US"/>
+              <a:t>保护，</a:t>
+            </a:r>
+            <a:endParaRPr lang="en-US" altLang="zh-CN"/>
+          </a:p>
+          <a:p>
+            <a:r>
+              <a:rPr lang="zh-CN" altLang="en-US"/>
+              <a:t>不暴露给</a:t>
+            </a:r>
+            <a:r>
+              <a:rPr lang="en-US" altLang="zh-CN"/>
+              <a:t>kernel</a:t>
+            </a:r>
+            <a:r>
+              <a:rPr lang="zh-CN" altLang="en-US"/>
+              <a:t>。</a:t>
+            </a:r>
+          </a:p>
+        </p:txBody>
+      </p:sp>
+      <p:sp>
+        <p:nvSpPr>
+          <p:cNvPr id="10" name="文本框 9">
+            <a:extLst>
+              <a:ext uri="{FF2B5EF4-FFF2-40B4-BE49-F238E27FC236}">
+                <a16:creationId xmlns:a16="http://schemas.microsoft.com/office/drawing/2014/main" id="{9DD48530-6DCF-E662-6E7D-2502B8A84714}"/>
+              </a:ext>
+            </a:extLst>
+          </p:cNvPr>
+          <p:cNvSpPr txBox="1"/>
+          <p:nvPr/>
+        </p:nvSpPr>
+        <p:spPr>
+          <a:xfrm>
+            <a:off x="8390294" y="4552392"/>
+            <a:ext cx="3429144" cy="1200329"/>
+          </a:xfrm>
+          <a:prstGeom prst="rect">
+            <a:avLst/>
+          </a:prstGeom>
+          <a:noFill/>
+        </p:spPr>
+        <p:txBody>
+          <a:bodyPr wrap="none" rtlCol="0">
+            <a:spAutoFit/>
+          </a:bodyPr>
+          <a:lstStyle/>
+          <a:p>
+            <a:r>
+              <a:rPr lang="en-US" altLang="zh-CN"/>
+              <a:t>APIC</a:t>
+            </a:r>
+            <a:r>
+              <a:rPr lang="zh-CN" altLang="en-US"/>
+              <a:t>控制中断响应入口和方式，</a:t>
+            </a:r>
+            <a:endParaRPr lang="en-US" altLang="zh-CN"/>
+          </a:p>
+          <a:p>
+            <a:r>
+              <a:rPr lang="zh-CN" altLang="en-US"/>
+              <a:t>直接关系到系统的安全。</a:t>
+            </a:r>
+            <a:endParaRPr lang="en-US" altLang="zh-CN"/>
+          </a:p>
+          <a:p>
+            <a:r>
+              <a:rPr lang="zh-CN" altLang="en-US"/>
+              <a:t>所以只能被</a:t>
+            </a:r>
+            <a:r>
+              <a:rPr lang="en-US" altLang="zh-CN"/>
+              <a:t>ostd</a:t>
+            </a:r>
+            <a:r>
+              <a:rPr lang="zh-CN" altLang="en-US"/>
+              <a:t>管理，</a:t>
+            </a:r>
+            <a:endParaRPr lang="en-US" altLang="zh-CN"/>
+          </a:p>
+          <a:p>
+            <a:r>
+              <a:rPr lang="zh-CN" altLang="en-US"/>
+              <a:t>不能暴露给</a:t>
+            </a:r>
+            <a:r>
+              <a:rPr lang="en-US" altLang="zh-CN"/>
+              <a:t>kernel</a:t>
+            </a:r>
+            <a:r>
+              <a:rPr lang="zh-CN" altLang="en-US"/>
+              <a:t>。</a:t>
+            </a:r>
+          </a:p>
+        </p:txBody>
+      </p:sp>
+    </p:spTree>
+    <p:extLst>
+      <p:ext uri="{BB962C8B-B14F-4D97-AF65-F5344CB8AC3E}">
+        <p14:creationId xmlns:p14="http://schemas.microsoft.com/office/powerpoint/2010/main" val="2940673689"/>
+      </p:ext>
+    </p:extLst>
+  </p:cSld>
+  <p:clrMapOvr>
+    <a:masterClrMapping/>
+  </p:clrMapOvr>
+</p:sld>
+</file>
+
+<file path=ppt/slides/slide18.xml><?xml version="1.0" encoding="utf-8"?>
+<p:sld xmlns:a="http://schemas.openxmlformats.org/drawingml/2006/main" xmlns:r="http://schemas.openxmlformats.org/officeDocument/2006/relationships" xmlns:p="http://schemas.openxmlformats.org/presentationml/2006/main">
+  <p:cSld>
+    <p:spTree>
+      <p:nvGrpSpPr>
+        <p:cNvPr id="1" name=""/>
+        <p:cNvGrpSpPr/>
+        <p:nvPr/>
+      </p:nvGrpSpPr>
+      <p:grpSpPr>
+        <a:xfrm>
+          <a:off x="0" y="0"/>
+          <a:ext cx="0" cy="0"/>
+          <a:chOff x="0" y="0"/>
+          <a:chExt cx="0" cy="0"/>
+        </a:xfrm>
+      </p:grpSpPr>
+      <p:sp>
+        <p:nvSpPr>
+          <p:cNvPr id="4" name="文本框 3">
+            <a:extLst>
+              <a:ext uri="{FF2B5EF4-FFF2-40B4-BE49-F238E27FC236}">
                 <a16:creationId xmlns:a16="http://schemas.microsoft.com/office/drawing/2014/main" id="{8AA3CCDC-2C3C-F3D9-5DB1-623479583BE0}"/>
               </a:ext>
             </a:extLst>
@@ -6484,7 +6911,7 @@
 </p:sld>
 </file>
 
-<file path=ppt/slides/slide17.xml><?xml version="1.0" encoding="utf-8"?>
+<file path=ppt/slides/slide19.xml><?xml version="1.0" encoding="utf-8"?>
 <p:sld xmlns:a="http://schemas.openxmlformats.org/drawingml/2006/main" xmlns:r="http://schemas.openxmlformats.org/officeDocument/2006/relationships" xmlns:p="http://schemas.openxmlformats.org/presentationml/2006/main">
   <p:cSld>
     <p:spTree>
@@ -7475,7 +7902,330 @@
 </p:sld>
 </file>
 
-<file path=ppt/slides/slide18.xml><?xml version="1.0" encoding="utf-8"?>
+<file path=ppt/slides/slide2.xml><?xml version="1.0" encoding="utf-8"?>
+<p:sld xmlns:a="http://schemas.openxmlformats.org/drawingml/2006/main" xmlns:r="http://schemas.openxmlformats.org/officeDocument/2006/relationships" xmlns:p="http://schemas.openxmlformats.org/presentationml/2006/main">
+  <p:cSld>
+    <p:spTree>
+      <p:nvGrpSpPr>
+        <p:cNvPr id="1" name=""/>
+        <p:cNvGrpSpPr/>
+        <p:nvPr/>
+      </p:nvGrpSpPr>
+      <p:grpSpPr>
+        <a:xfrm>
+          <a:off x="0" y="0"/>
+          <a:ext cx="0" cy="0"/>
+          <a:chOff x="0" y="0"/>
+          <a:chExt cx="0" cy="0"/>
+        </a:xfrm>
+      </p:grpSpPr>
+      <p:sp>
+        <p:nvSpPr>
+          <p:cNvPr id="4" name="文本框 3">
+            <a:extLst>
+              <a:ext uri="{FF2B5EF4-FFF2-40B4-BE49-F238E27FC236}">
+                <a16:creationId xmlns:a16="http://schemas.microsoft.com/office/drawing/2014/main" id="{BE3FE23E-A7F5-43B0-4B0A-1E1F0187995C}"/>
+              </a:ext>
+            </a:extLst>
+          </p:cNvPr>
+          <p:cNvSpPr txBox="1"/>
+          <p:nvPr/>
+        </p:nvSpPr>
+        <p:spPr>
+          <a:xfrm>
+            <a:off x="515380" y="327273"/>
+            <a:ext cx="7056784" cy="584775"/>
+          </a:xfrm>
+          <a:prstGeom prst="rect">
+            <a:avLst/>
+          </a:prstGeom>
+          <a:noFill/>
+        </p:spPr>
+        <p:txBody>
+          <a:bodyPr wrap="square">
+            <a:spAutoFit/>
+          </a:bodyPr>
+          <a:lstStyle/>
+          <a:p>
+            <a:r>
+              <a:rPr lang="zh-CN" altLang="en-US" sz="3200"/>
+              <a:t>参考资料和代码仓库</a:t>
+            </a:r>
+            <a:endParaRPr lang="en-US" altLang="zh-CN" sz="3200"/>
+          </a:p>
+        </p:txBody>
+      </p:sp>
+      <p:sp>
+        <p:nvSpPr>
+          <p:cNvPr id="2" name="文本框 1">
+            <a:extLst>
+              <a:ext uri="{FF2B5EF4-FFF2-40B4-BE49-F238E27FC236}">
+                <a16:creationId xmlns:a16="http://schemas.microsoft.com/office/drawing/2014/main" id="{47772C34-00C0-C826-57DE-19901FAB9DEC}"/>
+              </a:ext>
+            </a:extLst>
+          </p:cNvPr>
+          <p:cNvSpPr txBox="1"/>
+          <p:nvPr/>
+        </p:nvSpPr>
+        <p:spPr>
+          <a:xfrm>
+            <a:off x="623392" y="1268760"/>
+            <a:ext cx="11197244" cy="5262979"/>
+          </a:xfrm>
+          <a:prstGeom prst="rect">
+            <a:avLst/>
+          </a:prstGeom>
+          <a:noFill/>
+        </p:spPr>
+        <p:txBody>
+          <a:bodyPr wrap="square" rtlCol="0">
+            <a:spAutoFit/>
+          </a:bodyPr>
+          <a:lstStyle/>
+          <a:p>
+            <a:r>
+              <a:rPr lang="en-US" altLang="zh-CN" sz="2400">
+                <a:solidFill>
+                  <a:srgbClr val="0070C0"/>
+                </a:solidFill>
+              </a:rPr>
+              <a:t>FrameKernel</a:t>
+            </a:r>
+            <a:r>
+              <a:rPr lang="zh-CN" altLang="en-US" sz="2400">
+                <a:solidFill>
+                  <a:srgbClr val="0070C0"/>
+                </a:solidFill>
+              </a:rPr>
+              <a:t>论文：</a:t>
+            </a:r>
+            <a:r>
+              <a:rPr lang="en-US" altLang="zh-CN" sz="2400">
+                <a:solidFill>
+                  <a:srgbClr val="0070C0"/>
+                </a:solidFill>
+              </a:rPr>
+              <a:t>https://dl.acm.org/doi/10.1145/3678015.3680492</a:t>
+            </a:r>
+          </a:p>
+          <a:p>
+            <a:r>
+              <a:rPr lang="zh-CN" altLang="en-US" sz="2400">
+                <a:solidFill>
+                  <a:srgbClr val="0070C0"/>
+                </a:solidFill>
+              </a:rPr>
+              <a:t>代码仓库：</a:t>
+            </a:r>
+            <a:r>
+              <a:rPr lang="en-US" altLang="zh-CN" sz="2400">
+                <a:solidFill>
+                  <a:srgbClr val="0070C0"/>
+                </a:solidFill>
+              </a:rPr>
+              <a:t>https://github.com/asterinas/asterinas</a:t>
+            </a:r>
+          </a:p>
+          <a:p>
+            <a:endParaRPr lang="en-US" altLang="zh-CN" sz="2400"/>
+          </a:p>
+          <a:p>
+            <a:r>
+              <a:rPr lang="zh-CN" altLang="en-US" sz="2400"/>
+              <a:t>论文内容较老，当时还称为</a:t>
+            </a:r>
+            <a:r>
+              <a:rPr lang="en-US" altLang="zh-CN" sz="2400"/>
+              <a:t>FrameKernel</a:t>
+            </a:r>
+            <a:r>
+              <a:rPr lang="zh-CN" altLang="en-US" sz="2400"/>
+              <a:t>框内核。</a:t>
+            </a:r>
+            <a:endParaRPr lang="en-US" altLang="zh-CN" sz="2400"/>
+          </a:p>
+          <a:p>
+            <a:r>
+              <a:rPr lang="zh-CN" altLang="en-US" sz="2400"/>
+              <a:t>按论文所述，框内核包含两个部分，分别是</a:t>
+            </a:r>
+            <a:r>
+              <a:rPr lang="en-US" altLang="zh-CN" sz="2400"/>
+              <a:t>Framework</a:t>
+            </a:r>
+            <a:r>
+              <a:rPr lang="zh-CN" altLang="en-US" sz="2400"/>
+              <a:t>和</a:t>
+            </a:r>
+            <a:r>
+              <a:rPr lang="en-US" altLang="zh-CN" sz="2400"/>
+              <a:t>Services</a:t>
+            </a:r>
+            <a:r>
+              <a:rPr lang="zh-CN" altLang="en-US" sz="2400"/>
+              <a:t>。</a:t>
+            </a:r>
+            <a:endParaRPr lang="en-US" altLang="zh-CN" sz="2400"/>
+          </a:p>
+          <a:p>
+            <a:r>
+              <a:rPr lang="zh-CN" altLang="en-US" sz="2400"/>
+              <a:t>去年的代码仓库还与论文一致，包括两个同名的目录。</a:t>
+            </a:r>
+            <a:endParaRPr lang="en-US" altLang="zh-CN" sz="2400"/>
+          </a:p>
+          <a:p>
+            <a:endParaRPr lang="en-US" altLang="zh-CN" sz="2400"/>
+          </a:p>
+          <a:p>
+            <a:r>
+              <a:rPr lang="zh-CN" altLang="en-US" sz="2400"/>
+              <a:t>今年</a:t>
+            </a:r>
+            <a:r>
+              <a:rPr lang="en-US" altLang="zh-CN" sz="2400"/>
+              <a:t>Asterinas</a:t>
+            </a:r>
+            <a:r>
+              <a:rPr lang="zh-CN" altLang="en-US" sz="2400"/>
+              <a:t>的代码组织发生了较大变化，仿照</a:t>
+            </a:r>
+            <a:r>
+              <a:rPr lang="en-US" altLang="zh-CN" sz="2400"/>
+              <a:t>Rust</a:t>
+            </a:r>
+            <a:r>
+              <a:rPr lang="zh-CN" altLang="en-US" sz="2400"/>
+              <a:t>应用的开发模式提出了类似的内核开发模式，但是核心理念还是来自于上述论文。</a:t>
+            </a:r>
+            <a:endParaRPr lang="en-US" altLang="zh-CN" sz="2400"/>
+          </a:p>
+          <a:p>
+            <a:r>
+              <a:rPr lang="zh-CN" altLang="en-US" sz="2400"/>
+              <a:t>为了阐述方便，首先延用</a:t>
+            </a:r>
+            <a:r>
+              <a:rPr lang="en-US" altLang="zh-CN" sz="2400"/>
+              <a:t>Framework</a:t>
+            </a:r>
+            <a:r>
+              <a:rPr lang="zh-CN" altLang="en-US" sz="2400"/>
+              <a:t>和</a:t>
+            </a:r>
+            <a:r>
+              <a:rPr lang="en-US" altLang="zh-CN" sz="2400"/>
+              <a:t>Services</a:t>
+            </a:r>
+            <a:r>
+              <a:rPr lang="zh-CN" altLang="en-US" sz="2400"/>
+              <a:t>来讨论论文，</a:t>
+            </a:r>
+            <a:endParaRPr lang="en-US" altLang="zh-CN" sz="2400"/>
+          </a:p>
+          <a:p>
+            <a:r>
+              <a:rPr lang="zh-CN" altLang="en-US" sz="2400"/>
+              <a:t>然后分析代码时，再转换为</a:t>
+            </a:r>
+            <a:r>
+              <a:rPr lang="en-US" altLang="zh-CN" sz="2400"/>
+              <a:t>ostd</a:t>
+            </a:r>
+            <a:r>
+              <a:rPr lang="zh-CN" altLang="en-US" sz="2400"/>
+              <a:t>和</a:t>
+            </a:r>
+            <a:r>
+              <a:rPr lang="en-US" altLang="zh-CN" sz="2400"/>
+              <a:t>kernel</a:t>
+            </a:r>
+            <a:r>
+              <a:rPr lang="zh-CN" altLang="en-US" sz="2400"/>
+              <a:t>，即从概念上</a:t>
+            </a:r>
+            <a:r>
+              <a:rPr lang="en-US" altLang="zh-CN" sz="2400"/>
+              <a:t>(</a:t>
+            </a:r>
+            <a:r>
+              <a:rPr lang="zh-CN" altLang="en-US" sz="2400"/>
+              <a:t>并不严谨，后面说明</a:t>
+            </a:r>
+            <a:r>
+              <a:rPr lang="en-US" altLang="zh-CN" sz="2400"/>
+              <a:t>)</a:t>
+            </a:r>
+            <a:r>
+              <a:rPr lang="zh-CN" altLang="en-US" sz="2400"/>
+              <a:t>：</a:t>
+            </a:r>
+            <a:endParaRPr lang="en-US" altLang="zh-CN" sz="2400"/>
+          </a:p>
+          <a:p>
+            <a:endParaRPr lang="en-US" altLang="zh-CN" sz="2400"/>
+          </a:p>
+          <a:p>
+            <a:r>
+              <a:rPr lang="en-US" altLang="zh-CN" sz="2400" b="1"/>
+              <a:t>(</a:t>
+            </a:r>
+            <a:r>
+              <a:rPr lang="zh-CN" altLang="en-US" sz="2400" b="1"/>
+              <a:t>论文</a:t>
+            </a:r>
+            <a:r>
+              <a:rPr lang="en-US" altLang="zh-CN" sz="2400" b="1"/>
+              <a:t>)Framework = (</a:t>
+            </a:r>
+            <a:r>
+              <a:rPr lang="zh-CN" altLang="en-US" sz="2400" b="1"/>
+              <a:t>代码</a:t>
+            </a:r>
+            <a:r>
+              <a:rPr lang="en-US" altLang="zh-CN" sz="2400" b="1"/>
+              <a:t>) ostd</a:t>
+            </a:r>
+          </a:p>
+          <a:p>
+            <a:r>
+              <a:rPr lang="en-US" altLang="zh-CN" sz="2400" b="1"/>
+              <a:t>(</a:t>
+            </a:r>
+            <a:r>
+              <a:rPr lang="zh-CN" altLang="en-US" sz="2400" b="1"/>
+              <a:t>论文</a:t>
+            </a:r>
+            <a:r>
+              <a:rPr lang="en-US" altLang="zh-CN" sz="2400" b="1"/>
+              <a:t>)Services = (</a:t>
+            </a:r>
+            <a:r>
+              <a:rPr lang="zh-CN" altLang="en-US" sz="2400" b="1"/>
+              <a:t>代码</a:t>
+            </a:r>
+            <a:r>
+              <a:rPr lang="en-US" altLang="zh-CN" sz="2400" b="1"/>
+              <a:t>) kernel</a:t>
+            </a:r>
+            <a:endParaRPr lang="zh-CN" altLang="en-US" sz="2400" b="1"/>
+          </a:p>
+        </p:txBody>
+      </p:sp>
+    </p:spTree>
+    <p:extLst>
+      <p:ext uri="{BB962C8B-B14F-4D97-AF65-F5344CB8AC3E}">
+        <p14:creationId xmlns:p14="http://schemas.microsoft.com/office/powerpoint/2010/main" val="3767163610"/>
+      </p:ext>
+    </p:extLst>
+  </p:cSld>
+  <p:clrMapOvr>
+    <a:masterClrMapping/>
+  </p:clrMapOvr>
+</p:sld>
+</file>
+
+<file path=ppt/slides/slide20.xml><?xml version="1.0" encoding="utf-8"?>
 <p:sld xmlns:a="http://schemas.openxmlformats.org/drawingml/2006/main" xmlns:r="http://schemas.openxmlformats.org/officeDocument/2006/relationships" xmlns:p="http://schemas.openxmlformats.org/presentationml/2006/main">
   <p:cSld>
     <p:spTree>
@@ -8874,7 +9624,7 @@
 </p:sld>
 </file>
 
-<file path=ppt/slides/slide19.xml><?xml version="1.0" encoding="utf-8"?>
+<file path=ppt/slides/slide21.xml><?xml version="1.0" encoding="utf-8"?>
 <p:sld xmlns:a="http://schemas.openxmlformats.org/drawingml/2006/main" xmlns:r="http://schemas.openxmlformats.org/officeDocument/2006/relationships" xmlns:p="http://schemas.openxmlformats.org/presentationml/2006/main">
   <p:cSld>
     <p:spTree>
@@ -9271,330 +10021,7 @@
 </p:sld>
 </file>
 
-<file path=ppt/slides/slide2.xml><?xml version="1.0" encoding="utf-8"?>
-<p:sld xmlns:a="http://schemas.openxmlformats.org/drawingml/2006/main" xmlns:r="http://schemas.openxmlformats.org/officeDocument/2006/relationships" xmlns:p="http://schemas.openxmlformats.org/presentationml/2006/main">
-  <p:cSld>
-    <p:spTree>
-      <p:nvGrpSpPr>
-        <p:cNvPr id="1" name=""/>
-        <p:cNvGrpSpPr/>
-        <p:nvPr/>
-      </p:nvGrpSpPr>
-      <p:grpSpPr>
-        <a:xfrm>
-          <a:off x="0" y="0"/>
-          <a:ext cx="0" cy="0"/>
-          <a:chOff x="0" y="0"/>
-          <a:chExt cx="0" cy="0"/>
-        </a:xfrm>
-      </p:grpSpPr>
-      <p:sp>
-        <p:nvSpPr>
-          <p:cNvPr id="4" name="文本框 3">
-            <a:extLst>
-              <a:ext uri="{FF2B5EF4-FFF2-40B4-BE49-F238E27FC236}">
-                <a16:creationId xmlns:a16="http://schemas.microsoft.com/office/drawing/2014/main" id="{BE3FE23E-A7F5-43B0-4B0A-1E1F0187995C}"/>
-              </a:ext>
-            </a:extLst>
-          </p:cNvPr>
-          <p:cNvSpPr txBox="1"/>
-          <p:nvPr/>
-        </p:nvSpPr>
-        <p:spPr>
-          <a:xfrm>
-            <a:off x="515380" y="327273"/>
-            <a:ext cx="7056784" cy="584775"/>
-          </a:xfrm>
-          <a:prstGeom prst="rect">
-            <a:avLst/>
-          </a:prstGeom>
-          <a:noFill/>
-        </p:spPr>
-        <p:txBody>
-          <a:bodyPr wrap="square">
-            <a:spAutoFit/>
-          </a:bodyPr>
-          <a:lstStyle/>
-          <a:p>
-            <a:r>
-              <a:rPr lang="zh-CN" altLang="en-US" sz="3200"/>
-              <a:t>参考资料和代码仓库</a:t>
-            </a:r>
-            <a:endParaRPr lang="en-US" altLang="zh-CN" sz="3200"/>
-          </a:p>
-        </p:txBody>
-      </p:sp>
-      <p:sp>
-        <p:nvSpPr>
-          <p:cNvPr id="2" name="文本框 1">
-            <a:extLst>
-              <a:ext uri="{FF2B5EF4-FFF2-40B4-BE49-F238E27FC236}">
-                <a16:creationId xmlns:a16="http://schemas.microsoft.com/office/drawing/2014/main" id="{47772C34-00C0-C826-57DE-19901FAB9DEC}"/>
-              </a:ext>
-            </a:extLst>
-          </p:cNvPr>
-          <p:cNvSpPr txBox="1"/>
-          <p:nvPr/>
-        </p:nvSpPr>
-        <p:spPr>
-          <a:xfrm>
-            <a:off x="623392" y="1268760"/>
-            <a:ext cx="11197244" cy="5262979"/>
-          </a:xfrm>
-          <a:prstGeom prst="rect">
-            <a:avLst/>
-          </a:prstGeom>
-          <a:noFill/>
-        </p:spPr>
-        <p:txBody>
-          <a:bodyPr wrap="square" rtlCol="0">
-            <a:spAutoFit/>
-          </a:bodyPr>
-          <a:lstStyle/>
-          <a:p>
-            <a:r>
-              <a:rPr lang="en-US" altLang="zh-CN" sz="2400">
-                <a:solidFill>
-                  <a:srgbClr val="0070C0"/>
-                </a:solidFill>
-              </a:rPr>
-              <a:t>FrameKernel</a:t>
-            </a:r>
-            <a:r>
-              <a:rPr lang="zh-CN" altLang="en-US" sz="2400">
-                <a:solidFill>
-                  <a:srgbClr val="0070C0"/>
-                </a:solidFill>
-              </a:rPr>
-              <a:t>论文：</a:t>
-            </a:r>
-            <a:r>
-              <a:rPr lang="en-US" altLang="zh-CN" sz="2400">
-                <a:solidFill>
-                  <a:srgbClr val="0070C0"/>
-                </a:solidFill>
-              </a:rPr>
-              <a:t>https://dl.acm.org/doi/10.1145/3678015.3680492</a:t>
-            </a:r>
-          </a:p>
-          <a:p>
-            <a:r>
-              <a:rPr lang="zh-CN" altLang="en-US" sz="2400">
-                <a:solidFill>
-                  <a:srgbClr val="0070C0"/>
-                </a:solidFill>
-              </a:rPr>
-              <a:t>代码仓库：</a:t>
-            </a:r>
-            <a:r>
-              <a:rPr lang="en-US" altLang="zh-CN" sz="2400">
-                <a:solidFill>
-                  <a:srgbClr val="0070C0"/>
-                </a:solidFill>
-              </a:rPr>
-              <a:t>https://github.com/asterinas/asterinas</a:t>
-            </a:r>
-          </a:p>
-          <a:p>
-            <a:endParaRPr lang="en-US" altLang="zh-CN" sz="2400"/>
-          </a:p>
-          <a:p>
-            <a:r>
-              <a:rPr lang="zh-CN" altLang="en-US" sz="2400"/>
-              <a:t>论文内容较老，当时还称为</a:t>
-            </a:r>
-            <a:r>
-              <a:rPr lang="en-US" altLang="zh-CN" sz="2400"/>
-              <a:t>FrameKernel</a:t>
-            </a:r>
-            <a:r>
-              <a:rPr lang="zh-CN" altLang="en-US" sz="2400"/>
-              <a:t>框内核。</a:t>
-            </a:r>
-            <a:endParaRPr lang="en-US" altLang="zh-CN" sz="2400"/>
-          </a:p>
-          <a:p>
-            <a:r>
-              <a:rPr lang="zh-CN" altLang="en-US" sz="2400"/>
-              <a:t>按论文所述，框内核包含两个部分，分别是</a:t>
-            </a:r>
-            <a:r>
-              <a:rPr lang="en-US" altLang="zh-CN" sz="2400"/>
-              <a:t>Framework</a:t>
-            </a:r>
-            <a:r>
-              <a:rPr lang="zh-CN" altLang="en-US" sz="2400"/>
-              <a:t>和</a:t>
-            </a:r>
-            <a:r>
-              <a:rPr lang="en-US" altLang="zh-CN" sz="2400"/>
-              <a:t>Services</a:t>
-            </a:r>
-            <a:r>
-              <a:rPr lang="zh-CN" altLang="en-US" sz="2400"/>
-              <a:t>。</a:t>
-            </a:r>
-            <a:endParaRPr lang="en-US" altLang="zh-CN" sz="2400"/>
-          </a:p>
-          <a:p>
-            <a:r>
-              <a:rPr lang="zh-CN" altLang="en-US" sz="2400"/>
-              <a:t>去年的代码仓库还与论文一致，包括两个同名的目录。</a:t>
-            </a:r>
-            <a:endParaRPr lang="en-US" altLang="zh-CN" sz="2400"/>
-          </a:p>
-          <a:p>
-            <a:endParaRPr lang="en-US" altLang="zh-CN" sz="2400"/>
-          </a:p>
-          <a:p>
-            <a:r>
-              <a:rPr lang="zh-CN" altLang="en-US" sz="2400"/>
-              <a:t>今年</a:t>
-            </a:r>
-            <a:r>
-              <a:rPr lang="en-US" altLang="zh-CN" sz="2400"/>
-              <a:t>Asterinas</a:t>
-            </a:r>
-            <a:r>
-              <a:rPr lang="zh-CN" altLang="en-US" sz="2400"/>
-              <a:t>的代码组织发生了较大变化，仿照</a:t>
-            </a:r>
-            <a:r>
-              <a:rPr lang="en-US" altLang="zh-CN" sz="2400"/>
-              <a:t>Rust</a:t>
-            </a:r>
-            <a:r>
-              <a:rPr lang="zh-CN" altLang="en-US" sz="2400"/>
-              <a:t>应用的开发模式提出了类似的内核开发模式，但是核心理念还是来自于上述论文。</a:t>
-            </a:r>
-            <a:endParaRPr lang="en-US" altLang="zh-CN" sz="2400"/>
-          </a:p>
-          <a:p>
-            <a:r>
-              <a:rPr lang="zh-CN" altLang="en-US" sz="2400"/>
-              <a:t>为了阐述方便，首先延用</a:t>
-            </a:r>
-            <a:r>
-              <a:rPr lang="en-US" altLang="zh-CN" sz="2400"/>
-              <a:t>Framework</a:t>
-            </a:r>
-            <a:r>
-              <a:rPr lang="zh-CN" altLang="en-US" sz="2400"/>
-              <a:t>和</a:t>
-            </a:r>
-            <a:r>
-              <a:rPr lang="en-US" altLang="zh-CN" sz="2400"/>
-              <a:t>Services</a:t>
-            </a:r>
-            <a:r>
-              <a:rPr lang="zh-CN" altLang="en-US" sz="2400"/>
-              <a:t>来讨论论文，</a:t>
-            </a:r>
-            <a:endParaRPr lang="en-US" altLang="zh-CN" sz="2400"/>
-          </a:p>
-          <a:p>
-            <a:r>
-              <a:rPr lang="zh-CN" altLang="en-US" sz="2400"/>
-              <a:t>然后分析代码时，再转换为</a:t>
-            </a:r>
-            <a:r>
-              <a:rPr lang="en-US" altLang="zh-CN" sz="2400"/>
-              <a:t>ostd</a:t>
-            </a:r>
-            <a:r>
-              <a:rPr lang="zh-CN" altLang="en-US" sz="2400"/>
-              <a:t>和</a:t>
-            </a:r>
-            <a:r>
-              <a:rPr lang="en-US" altLang="zh-CN" sz="2400"/>
-              <a:t>kernel</a:t>
-            </a:r>
-            <a:r>
-              <a:rPr lang="zh-CN" altLang="en-US" sz="2400"/>
-              <a:t>，即从概念上</a:t>
-            </a:r>
-            <a:r>
-              <a:rPr lang="en-US" altLang="zh-CN" sz="2400"/>
-              <a:t>(</a:t>
-            </a:r>
-            <a:r>
-              <a:rPr lang="zh-CN" altLang="en-US" sz="2400"/>
-              <a:t>并不严谨，后面说明</a:t>
-            </a:r>
-            <a:r>
-              <a:rPr lang="en-US" altLang="zh-CN" sz="2400"/>
-              <a:t>)</a:t>
-            </a:r>
-            <a:r>
-              <a:rPr lang="zh-CN" altLang="en-US" sz="2400"/>
-              <a:t>：</a:t>
-            </a:r>
-            <a:endParaRPr lang="en-US" altLang="zh-CN" sz="2400"/>
-          </a:p>
-          <a:p>
-            <a:endParaRPr lang="en-US" altLang="zh-CN" sz="2400"/>
-          </a:p>
-          <a:p>
-            <a:r>
-              <a:rPr lang="en-US" altLang="zh-CN" sz="2400" b="1"/>
-              <a:t>(</a:t>
-            </a:r>
-            <a:r>
-              <a:rPr lang="zh-CN" altLang="en-US" sz="2400" b="1"/>
-              <a:t>论文</a:t>
-            </a:r>
-            <a:r>
-              <a:rPr lang="en-US" altLang="zh-CN" sz="2400" b="1"/>
-              <a:t>)Framework = (</a:t>
-            </a:r>
-            <a:r>
-              <a:rPr lang="zh-CN" altLang="en-US" sz="2400" b="1"/>
-              <a:t>代码</a:t>
-            </a:r>
-            <a:r>
-              <a:rPr lang="en-US" altLang="zh-CN" sz="2400" b="1"/>
-              <a:t>) ostd</a:t>
-            </a:r>
-          </a:p>
-          <a:p>
-            <a:r>
-              <a:rPr lang="en-US" altLang="zh-CN" sz="2400" b="1"/>
-              <a:t>(</a:t>
-            </a:r>
-            <a:r>
-              <a:rPr lang="zh-CN" altLang="en-US" sz="2400" b="1"/>
-              <a:t>论文</a:t>
-            </a:r>
-            <a:r>
-              <a:rPr lang="en-US" altLang="zh-CN" sz="2400" b="1"/>
-              <a:t>)Services = (</a:t>
-            </a:r>
-            <a:r>
-              <a:rPr lang="zh-CN" altLang="en-US" sz="2400" b="1"/>
-              <a:t>代码</a:t>
-            </a:r>
-            <a:r>
-              <a:rPr lang="en-US" altLang="zh-CN" sz="2400" b="1"/>
-              <a:t>) kernel</a:t>
-            </a:r>
-            <a:endParaRPr lang="zh-CN" altLang="en-US" sz="2400" b="1"/>
-          </a:p>
-        </p:txBody>
-      </p:sp>
-    </p:spTree>
-    <p:extLst>
-      <p:ext uri="{BB962C8B-B14F-4D97-AF65-F5344CB8AC3E}">
-        <p14:creationId xmlns:p14="http://schemas.microsoft.com/office/powerpoint/2010/main" val="3767163610"/>
-      </p:ext>
-    </p:extLst>
-  </p:cSld>
-  <p:clrMapOvr>
-    <a:masterClrMapping/>
-  </p:clrMapOvr>
-</p:sld>
-</file>
-
-<file path=ppt/slides/slide20.xml><?xml version="1.0" encoding="utf-8"?>
+<file path=ppt/slides/slide22.xml><?xml version="1.0" encoding="utf-8"?>
 <p:sld xmlns:a="http://schemas.openxmlformats.org/drawingml/2006/main" xmlns:r="http://schemas.openxmlformats.org/officeDocument/2006/relationships" xmlns:p="http://schemas.openxmlformats.org/presentationml/2006/main">
   <p:cSld>
     <p:spTree>
@@ -9825,7 +10252,7 @@
 </p:sld>
 </file>
 
-<file path=ppt/slides/slide21.xml><?xml version="1.0" encoding="utf-8"?>
+<file path=ppt/slides/slide23.xml><?xml version="1.0" encoding="utf-8"?>
 <p:sld xmlns:a="http://schemas.openxmlformats.org/drawingml/2006/main" xmlns:r="http://schemas.openxmlformats.org/officeDocument/2006/relationships" xmlns:p="http://schemas.openxmlformats.org/presentationml/2006/main">
   <p:cSld>
     <p:spTree>
@@ -10019,7 +10446,7 @@
 </p:sld>
 </file>
 
-<file path=ppt/slides/slide22.xml><?xml version="1.0" encoding="utf-8"?>
+<file path=ppt/slides/slide24.xml><?xml version="1.0" encoding="utf-8"?>
 <p:sld xmlns:a="http://schemas.openxmlformats.org/drawingml/2006/main" xmlns:r="http://schemas.openxmlformats.org/officeDocument/2006/relationships" xmlns:p="http://schemas.openxmlformats.org/presentationml/2006/main">
   <p:cSld>
     <p:spTree>
@@ -10289,7 +10716,7 @@
 </p:sld>
 </file>
 
-<file path=ppt/slides/slide23.xml><?xml version="1.0" encoding="utf-8"?>
+<file path=ppt/slides/slide25.xml><?xml version="1.0" encoding="utf-8"?>
 <p:sld xmlns:a="http://schemas.openxmlformats.org/drawingml/2006/main" xmlns:r="http://schemas.openxmlformats.org/officeDocument/2006/relationships" xmlns:p="http://schemas.openxmlformats.org/presentationml/2006/main">
   <p:cSld>
     <p:spTree>
@@ -10427,7 +10854,7 @@
 </p:sld>
 </file>
 
-<file path=ppt/slides/slide24.xml><?xml version="1.0" encoding="utf-8"?>
+<file path=ppt/slides/slide26.xml><?xml version="1.0" encoding="utf-8"?>
 <p:sld xmlns:a="http://schemas.openxmlformats.org/drawingml/2006/main" xmlns:r="http://schemas.openxmlformats.org/officeDocument/2006/relationships" xmlns:p="http://schemas.openxmlformats.org/presentationml/2006/main">
   <p:cSld>
     <p:spTree>
